--- a/Assignment 2/Tracing Powerpoint.pptx
+++ b/Assignment 2/Tracing Powerpoint.pptx
@@ -8,6 +8,7 @@
     <p:sldId id="256" r:id="rId2"/>
     <p:sldId id="257" r:id="rId3"/>
     <p:sldId id="258" r:id="rId4"/>
+    <p:sldId id="259" r:id="rId5"/>
   </p:sldIdLst>
   <p:sldSz cx="12192000" cy="6858000"/>
   <p:notesSz cx="6858000" cy="9144000"/>
@@ -106,6 +107,11 @@
       </a:defRPr>
     </a:lvl9pPr>
   </p:defaultTextStyle>
+  <p:extLst>
+    <p:ext uri="{EFAFB233-063F-42B5-8137-9DF3F51BA10A}">
+      <p15:sldGuideLst xmlns:p15="http://schemas.microsoft.com/office/powerpoint/2012/main"/>
+    </p:ext>
+  </p:extLst>
 </p:presentation>
 </file>
 
@@ -4009,6 +4015,664 @@
 </p:sld>
 </file>
 
+<file path=ppt/slides/slide4.xml><?xml version="1.0" encoding="utf-8"?>
+<p:sld xmlns:a="http://schemas.openxmlformats.org/drawingml/2006/main" xmlns:r="http://schemas.openxmlformats.org/officeDocument/2006/relationships" xmlns:p="http://schemas.openxmlformats.org/presentationml/2006/main">
+  <p:cSld>
+    <p:spTree>
+      <p:nvGrpSpPr>
+        <p:cNvPr id="1" name=""/>
+        <p:cNvGrpSpPr/>
+        <p:nvPr/>
+      </p:nvGrpSpPr>
+      <p:grpSpPr>
+        <a:xfrm>
+          <a:off x="0" y="0"/>
+          <a:ext cx="0" cy="0"/>
+          <a:chOff x="0" y="0"/>
+          <a:chExt cx="0" cy="0"/>
+        </a:xfrm>
+      </p:grpSpPr>
+      <p:sp>
+        <p:nvSpPr>
+          <p:cNvPr id="2" name="Title 1">
+            <a:extLst>
+              <a:ext uri="{FF2B5EF4-FFF2-40B4-BE49-F238E27FC236}">
+                <a16:creationId xmlns:a16="http://schemas.microsoft.com/office/drawing/2014/main" id="{8250258C-18FB-544A-896E-6C4EC9C7988B}"/>
+              </a:ext>
+            </a:extLst>
+          </p:cNvPr>
+          <p:cNvSpPr>
+            <a:spLocks noGrp="1"/>
+          </p:cNvSpPr>
+          <p:nvPr>
+            <p:ph type="title"/>
+          </p:nvPr>
+        </p:nvSpPr>
+        <p:spPr/>
+        <p:txBody>
+          <a:bodyPr/>
+          <a:lstStyle/>
+          <a:p>
+            <a:r>
+              <a:rPr lang="en-CA" dirty="0"/>
+              <a:t>Withdraw Amount</a:t>
+            </a:r>
+            <a:endParaRPr lang="en-US" dirty="0"/>
+          </a:p>
+        </p:txBody>
+      </p:sp>
+      <p:sp>
+        <p:nvSpPr>
+          <p:cNvPr id="3" name="Content Placeholder 2">
+            <a:extLst>
+              <a:ext uri="{FF2B5EF4-FFF2-40B4-BE49-F238E27FC236}">
+                <a16:creationId xmlns:a16="http://schemas.microsoft.com/office/drawing/2014/main" id="{63FEBD08-7CCE-D74A-8DC5-BA0DE90B7A51}"/>
+              </a:ext>
+            </a:extLst>
+          </p:cNvPr>
+          <p:cNvSpPr>
+            <a:spLocks noGrp="1"/>
+          </p:cNvSpPr>
+          <p:nvPr>
+            <p:ph idx="1"/>
+          </p:nvPr>
+        </p:nvSpPr>
+        <p:spPr/>
+        <p:txBody>
+          <a:bodyPr/>
+          <a:lstStyle/>
+          <a:p>
+            <a:pPr marL="0" indent="0">
+              <a:buNone/>
+            </a:pPr>
+            <a:r>
+              <a:rPr lang="en-CA" dirty="0" err="1"/>
+              <a:t>BankAccount</a:t>
+            </a:r>
+            <a:r>
+              <a:rPr lang="en-CA" dirty="0"/>
+              <a:t> b3 = new </a:t>
+            </a:r>
+            <a:r>
+              <a:rPr lang="en-CA" dirty="0" err="1"/>
+              <a:t>BankAccount</a:t>
+            </a:r>
+            <a:r>
+              <a:rPr lang="en-CA" dirty="0"/>
+              <a:t>();</a:t>
+            </a:r>
+          </a:p>
+          <a:p>
+            <a:pPr marL="0" indent="0">
+              <a:buNone/>
+            </a:pPr>
+            <a:r>
+              <a:rPr lang="en-CA" dirty="0"/>
+              <a:t>b3.deposit(10.00);</a:t>
+            </a:r>
+          </a:p>
+          <a:p>
+            <a:pPr marL="0" indent="0">
+              <a:buNone/>
+            </a:pPr>
+            <a:r>
+              <a:rPr lang="en-CA" dirty="0"/>
+              <a:t>b3.withdraw(2.00);</a:t>
+            </a:r>
+          </a:p>
+          <a:p>
+            <a:pPr marL="0" indent="0">
+              <a:buNone/>
+            </a:pPr>
+            <a:endParaRPr lang="en-US" dirty="0"/>
+          </a:p>
+        </p:txBody>
+      </p:sp>
+      <p:sp>
+        <p:nvSpPr>
+          <p:cNvPr id="4" name="Rectangle 3">
+            <a:extLst>
+              <a:ext uri="{FF2B5EF4-FFF2-40B4-BE49-F238E27FC236}">
+                <a16:creationId xmlns:a16="http://schemas.microsoft.com/office/drawing/2014/main" id="{60E3F55D-9D20-3841-B961-1CF868BEF2C9}"/>
+              </a:ext>
+            </a:extLst>
+          </p:cNvPr>
+          <p:cNvSpPr/>
+          <p:nvPr/>
+        </p:nvSpPr>
+        <p:spPr>
+          <a:xfrm>
+            <a:off x="1385454" y="4042859"/>
+            <a:ext cx="3006437" cy="1080655"/>
+          </a:xfrm>
+          <a:prstGeom prst="rect">
+            <a:avLst/>
+          </a:prstGeom>
+          <a:noFill/>
+          <a:ln>
+            <a:solidFill>
+              <a:schemeClr val="tx1"/>
+            </a:solidFill>
+          </a:ln>
+        </p:spPr>
+        <p:style>
+          <a:lnRef idx="2">
+            <a:schemeClr val="accent6"/>
+          </a:lnRef>
+          <a:fillRef idx="1">
+            <a:schemeClr val="lt1"/>
+          </a:fillRef>
+          <a:effectRef idx="0">
+            <a:schemeClr val="accent6"/>
+          </a:effectRef>
+          <a:fontRef idx="minor">
+            <a:schemeClr val="dk1"/>
+          </a:fontRef>
+        </p:style>
+        <p:txBody>
+          <a:bodyPr rtlCol="0" anchor="ctr"/>
+          <a:lstStyle/>
+          <a:p>
+            <a:r>
+              <a:rPr lang="en-CA" dirty="0" err="1"/>
+              <a:t>BankAccount</a:t>
+            </a:r>
+            <a:endParaRPr lang="en-CA" dirty="0"/>
+          </a:p>
+          <a:p>
+            <a:r>
+              <a:rPr lang="en-CA" dirty="0"/>
+              <a:t>balance</a:t>
+            </a:r>
+            <a:r>
+              <a:rPr lang="en-US" dirty="0"/>
+              <a:t> = 0.0</a:t>
+            </a:r>
+          </a:p>
+          <a:p>
+            <a:r>
+              <a:rPr lang="en-CA" dirty="0" err="1"/>
+              <a:t>overdraftAmount</a:t>
+            </a:r>
+            <a:r>
+              <a:rPr lang="en-CA" dirty="0"/>
+              <a:t> = 100.00</a:t>
+            </a:r>
+          </a:p>
+        </p:txBody>
+      </p:sp>
+      <p:sp>
+        <p:nvSpPr>
+          <p:cNvPr id="5" name="TextBox 4">
+            <a:extLst>
+              <a:ext uri="{FF2B5EF4-FFF2-40B4-BE49-F238E27FC236}">
+                <a16:creationId xmlns:a16="http://schemas.microsoft.com/office/drawing/2014/main" id="{474374BB-9E45-DC48-A015-8FADCDC22319}"/>
+              </a:ext>
+            </a:extLst>
+          </p:cNvPr>
+          <p:cNvSpPr txBox="1"/>
+          <p:nvPr/>
+        </p:nvSpPr>
+        <p:spPr>
+          <a:xfrm>
+            <a:off x="1323109" y="3606059"/>
+            <a:ext cx="2374111" cy="369332"/>
+          </a:xfrm>
+          <a:prstGeom prst="rect">
+            <a:avLst/>
+          </a:prstGeom>
+          <a:noFill/>
+        </p:spPr>
+        <p:txBody>
+          <a:bodyPr wrap="none" rtlCol="0">
+            <a:spAutoFit/>
+          </a:bodyPr>
+          <a:lstStyle/>
+          <a:p>
+            <a:r>
+              <a:rPr lang="en-CA" dirty="0"/>
+              <a:t>Memory Address: 3724</a:t>
+            </a:r>
+            <a:endParaRPr lang="en-US" dirty="0"/>
+          </a:p>
+        </p:txBody>
+      </p:sp>
+      <p:sp>
+        <p:nvSpPr>
+          <p:cNvPr id="6" name="Rectangle 5">
+            <a:extLst>
+              <a:ext uri="{FF2B5EF4-FFF2-40B4-BE49-F238E27FC236}">
+                <a16:creationId xmlns:a16="http://schemas.microsoft.com/office/drawing/2014/main" id="{DA898F2D-9E63-A34E-A6F4-7C6FED46CD26}"/>
+              </a:ext>
+            </a:extLst>
+          </p:cNvPr>
+          <p:cNvSpPr/>
+          <p:nvPr/>
+        </p:nvSpPr>
+        <p:spPr>
+          <a:xfrm>
+            <a:off x="5971309" y="4042859"/>
+            <a:ext cx="3006437" cy="1080655"/>
+          </a:xfrm>
+          <a:prstGeom prst="rect">
+            <a:avLst/>
+          </a:prstGeom>
+          <a:noFill/>
+          <a:ln>
+            <a:solidFill>
+              <a:schemeClr val="tx1"/>
+            </a:solidFill>
+          </a:ln>
+        </p:spPr>
+        <p:style>
+          <a:lnRef idx="2">
+            <a:schemeClr val="accent6"/>
+          </a:lnRef>
+          <a:fillRef idx="1">
+            <a:schemeClr val="lt1"/>
+          </a:fillRef>
+          <a:effectRef idx="0">
+            <a:schemeClr val="accent6"/>
+          </a:effectRef>
+          <a:fontRef idx="minor">
+            <a:schemeClr val="dk1"/>
+          </a:fontRef>
+        </p:style>
+        <p:txBody>
+          <a:bodyPr rtlCol="0" anchor="ctr"/>
+          <a:lstStyle/>
+          <a:p>
+            <a:r>
+              <a:rPr lang="en-CA" dirty="0" err="1"/>
+              <a:t>BankAccount</a:t>
+            </a:r>
+            <a:endParaRPr lang="en-CA" dirty="0"/>
+          </a:p>
+          <a:p>
+            <a:r>
+              <a:rPr lang="en-CA" dirty="0"/>
+              <a:t>balance</a:t>
+            </a:r>
+            <a:r>
+              <a:rPr lang="en-US" dirty="0"/>
+              <a:t> = 10.00</a:t>
+            </a:r>
+          </a:p>
+          <a:p>
+            <a:r>
+              <a:rPr lang="en-CA" dirty="0" err="1"/>
+              <a:t>overdraftAmount</a:t>
+            </a:r>
+            <a:r>
+              <a:rPr lang="en-CA" dirty="0"/>
+              <a:t> = 100.00</a:t>
+            </a:r>
+          </a:p>
+        </p:txBody>
+      </p:sp>
+      <p:sp>
+        <p:nvSpPr>
+          <p:cNvPr id="7" name="TextBox 6">
+            <a:extLst>
+              <a:ext uri="{FF2B5EF4-FFF2-40B4-BE49-F238E27FC236}">
+                <a16:creationId xmlns:a16="http://schemas.microsoft.com/office/drawing/2014/main" id="{C750212A-AC37-5946-9D70-461BC2F69F33}"/>
+              </a:ext>
+            </a:extLst>
+          </p:cNvPr>
+          <p:cNvSpPr txBox="1"/>
+          <p:nvPr/>
+        </p:nvSpPr>
+        <p:spPr>
+          <a:xfrm>
+            <a:off x="5971309" y="3606059"/>
+            <a:ext cx="2374111" cy="369332"/>
+          </a:xfrm>
+          <a:prstGeom prst="rect">
+            <a:avLst/>
+          </a:prstGeom>
+          <a:noFill/>
+        </p:spPr>
+        <p:txBody>
+          <a:bodyPr wrap="none" rtlCol="0">
+            <a:spAutoFit/>
+          </a:bodyPr>
+          <a:lstStyle/>
+          <a:p>
+            <a:r>
+              <a:rPr lang="en-CA" dirty="0"/>
+              <a:t>Memory Address: 3724</a:t>
+            </a:r>
+            <a:endParaRPr lang="en-US" dirty="0"/>
+          </a:p>
+        </p:txBody>
+      </p:sp>
+      <p:sp>
+        <p:nvSpPr>
+          <p:cNvPr id="8" name="Right Arrow 7">
+            <a:extLst>
+              <a:ext uri="{FF2B5EF4-FFF2-40B4-BE49-F238E27FC236}">
+                <a16:creationId xmlns:a16="http://schemas.microsoft.com/office/drawing/2014/main" id="{0E27552D-49C1-7F45-B344-AAD78F0063C3}"/>
+              </a:ext>
+            </a:extLst>
+          </p:cNvPr>
+          <p:cNvSpPr/>
+          <p:nvPr/>
+        </p:nvSpPr>
+        <p:spPr>
+          <a:xfrm>
+            <a:off x="4391891" y="4364180"/>
+            <a:ext cx="1579418" cy="457200"/>
+          </a:xfrm>
+          <a:prstGeom prst="rightArrow">
+            <a:avLst/>
+          </a:prstGeom>
+        </p:spPr>
+        <p:style>
+          <a:lnRef idx="2">
+            <a:schemeClr val="accent6"/>
+          </a:lnRef>
+          <a:fillRef idx="1">
+            <a:schemeClr val="lt1"/>
+          </a:fillRef>
+          <a:effectRef idx="0">
+            <a:schemeClr val="accent6"/>
+          </a:effectRef>
+          <a:fontRef idx="minor">
+            <a:schemeClr val="dk1"/>
+          </a:fontRef>
+        </p:style>
+        <p:txBody>
+          <a:bodyPr rtlCol="0" anchor="ctr"/>
+          <a:lstStyle/>
+          <a:p>
+            <a:pPr algn="ctr"/>
+            <a:r>
+              <a:rPr lang="en-CA" sz="1600" dirty="0"/>
+              <a:t>deposit(10.00)</a:t>
+            </a:r>
+            <a:endParaRPr lang="en-US" sz="1600" dirty="0"/>
+          </a:p>
+        </p:txBody>
+      </p:sp>
+      <p:sp>
+        <p:nvSpPr>
+          <p:cNvPr id="9" name="Rectangle 8">
+            <a:extLst>
+              <a:ext uri="{FF2B5EF4-FFF2-40B4-BE49-F238E27FC236}">
+                <a16:creationId xmlns:a16="http://schemas.microsoft.com/office/drawing/2014/main" id="{38EFA8FA-A003-014C-8D69-5AD5A42E815F}"/>
+              </a:ext>
+            </a:extLst>
+          </p:cNvPr>
+          <p:cNvSpPr/>
+          <p:nvPr/>
+        </p:nvSpPr>
+        <p:spPr>
+          <a:xfrm>
+            <a:off x="1385454" y="5569303"/>
+            <a:ext cx="3006437" cy="1080655"/>
+          </a:xfrm>
+          <a:prstGeom prst="rect">
+            <a:avLst/>
+          </a:prstGeom>
+          <a:noFill/>
+          <a:ln>
+            <a:solidFill>
+              <a:schemeClr val="tx1"/>
+            </a:solidFill>
+          </a:ln>
+        </p:spPr>
+        <p:style>
+          <a:lnRef idx="2">
+            <a:schemeClr val="accent6"/>
+          </a:lnRef>
+          <a:fillRef idx="1">
+            <a:schemeClr val="lt1"/>
+          </a:fillRef>
+          <a:effectRef idx="0">
+            <a:schemeClr val="accent6"/>
+          </a:effectRef>
+          <a:fontRef idx="minor">
+            <a:schemeClr val="dk1"/>
+          </a:fontRef>
+        </p:style>
+        <p:txBody>
+          <a:bodyPr rtlCol="0" anchor="ctr"/>
+          <a:lstStyle/>
+          <a:p>
+            <a:r>
+              <a:rPr lang="en-CA" dirty="0" err="1"/>
+              <a:t>BankAccount</a:t>
+            </a:r>
+            <a:endParaRPr lang="en-CA" dirty="0"/>
+          </a:p>
+          <a:p>
+            <a:r>
+              <a:rPr lang="en-CA" dirty="0"/>
+              <a:t>balance</a:t>
+            </a:r>
+            <a:r>
+              <a:rPr lang="en-US" dirty="0"/>
+              <a:t> = 10.00</a:t>
+            </a:r>
+          </a:p>
+          <a:p>
+            <a:r>
+              <a:rPr lang="en-CA" dirty="0" err="1"/>
+              <a:t>overdraftAmount</a:t>
+            </a:r>
+            <a:r>
+              <a:rPr lang="en-CA" dirty="0"/>
+              <a:t> = 100.00</a:t>
+            </a:r>
+          </a:p>
+        </p:txBody>
+      </p:sp>
+      <p:sp>
+        <p:nvSpPr>
+          <p:cNvPr id="10" name="TextBox 9">
+            <a:extLst>
+              <a:ext uri="{FF2B5EF4-FFF2-40B4-BE49-F238E27FC236}">
+                <a16:creationId xmlns:a16="http://schemas.microsoft.com/office/drawing/2014/main" id="{26F76597-17C6-594F-8353-FE0FE1C40D91}"/>
+              </a:ext>
+            </a:extLst>
+          </p:cNvPr>
+          <p:cNvSpPr txBox="1"/>
+          <p:nvPr/>
+        </p:nvSpPr>
+        <p:spPr>
+          <a:xfrm>
+            <a:off x="1385454" y="5132503"/>
+            <a:ext cx="2374111" cy="369332"/>
+          </a:xfrm>
+          <a:prstGeom prst="rect">
+            <a:avLst/>
+          </a:prstGeom>
+          <a:noFill/>
+        </p:spPr>
+        <p:txBody>
+          <a:bodyPr wrap="none" rtlCol="0">
+            <a:spAutoFit/>
+          </a:bodyPr>
+          <a:lstStyle/>
+          <a:p>
+            <a:r>
+              <a:rPr lang="en-CA" dirty="0"/>
+              <a:t>Memory Address: 3724</a:t>
+            </a:r>
+            <a:endParaRPr lang="en-US" dirty="0"/>
+          </a:p>
+        </p:txBody>
+      </p:sp>
+      <p:sp>
+        <p:nvSpPr>
+          <p:cNvPr id="11" name="Right Arrow 10">
+            <a:extLst>
+              <a:ext uri="{FF2B5EF4-FFF2-40B4-BE49-F238E27FC236}">
+                <a16:creationId xmlns:a16="http://schemas.microsoft.com/office/drawing/2014/main" id="{82D53B7C-7174-524F-9648-0A27146E4AD7}"/>
+              </a:ext>
+            </a:extLst>
+          </p:cNvPr>
+          <p:cNvSpPr/>
+          <p:nvPr/>
+        </p:nvSpPr>
+        <p:spPr>
+          <a:xfrm>
+            <a:off x="4391891" y="5865124"/>
+            <a:ext cx="1579418" cy="457200"/>
+          </a:xfrm>
+          <a:prstGeom prst="rightArrow">
+            <a:avLst/>
+          </a:prstGeom>
+        </p:spPr>
+        <p:style>
+          <a:lnRef idx="2">
+            <a:schemeClr val="accent6"/>
+          </a:lnRef>
+          <a:fillRef idx="1">
+            <a:schemeClr val="lt1"/>
+          </a:fillRef>
+          <a:effectRef idx="0">
+            <a:schemeClr val="accent6"/>
+          </a:effectRef>
+          <a:fontRef idx="minor">
+            <a:schemeClr val="dk1"/>
+          </a:fontRef>
+        </p:style>
+        <p:txBody>
+          <a:bodyPr rtlCol="0" anchor="ctr"/>
+          <a:lstStyle/>
+          <a:p>
+            <a:pPr algn="ctr"/>
+            <a:r>
+              <a:rPr lang="en-CA" sz="1400" dirty="0"/>
+              <a:t>withdraw(2.00)</a:t>
+            </a:r>
+            <a:endParaRPr lang="en-US" sz="1400" dirty="0"/>
+          </a:p>
+        </p:txBody>
+      </p:sp>
+      <p:sp>
+        <p:nvSpPr>
+          <p:cNvPr id="12" name="Rectangle 11">
+            <a:extLst>
+              <a:ext uri="{FF2B5EF4-FFF2-40B4-BE49-F238E27FC236}">
+                <a16:creationId xmlns:a16="http://schemas.microsoft.com/office/drawing/2014/main" id="{004FA40E-A5D5-034A-9D68-84707DDB20BF}"/>
+              </a:ext>
+            </a:extLst>
+          </p:cNvPr>
+          <p:cNvSpPr/>
+          <p:nvPr/>
+        </p:nvSpPr>
+        <p:spPr>
+          <a:xfrm>
+            <a:off x="6053464" y="5569303"/>
+            <a:ext cx="3006437" cy="1080655"/>
+          </a:xfrm>
+          <a:prstGeom prst="rect">
+            <a:avLst/>
+          </a:prstGeom>
+          <a:noFill/>
+          <a:ln>
+            <a:solidFill>
+              <a:schemeClr val="tx1"/>
+            </a:solidFill>
+          </a:ln>
+        </p:spPr>
+        <p:style>
+          <a:lnRef idx="2">
+            <a:schemeClr val="accent6"/>
+          </a:lnRef>
+          <a:fillRef idx="1">
+            <a:schemeClr val="lt1"/>
+          </a:fillRef>
+          <a:effectRef idx="0">
+            <a:schemeClr val="accent6"/>
+          </a:effectRef>
+          <a:fontRef idx="minor">
+            <a:schemeClr val="dk1"/>
+          </a:fontRef>
+        </p:style>
+        <p:txBody>
+          <a:bodyPr rtlCol="0" anchor="ctr"/>
+          <a:lstStyle/>
+          <a:p>
+            <a:r>
+              <a:rPr lang="en-CA" dirty="0" err="1"/>
+              <a:t>BankAccount</a:t>
+            </a:r>
+            <a:endParaRPr lang="en-CA" dirty="0"/>
+          </a:p>
+          <a:p>
+            <a:r>
+              <a:rPr lang="en-CA" dirty="0"/>
+              <a:t>balance</a:t>
+            </a:r>
+            <a:r>
+              <a:rPr lang="en-US" dirty="0"/>
+              <a:t> = 8.00</a:t>
+            </a:r>
+          </a:p>
+          <a:p>
+            <a:r>
+              <a:rPr lang="en-CA" dirty="0" err="1"/>
+              <a:t>overdraftAmount</a:t>
+            </a:r>
+            <a:r>
+              <a:rPr lang="en-CA" dirty="0"/>
+              <a:t> = 100.00</a:t>
+            </a:r>
+          </a:p>
+        </p:txBody>
+      </p:sp>
+      <p:sp>
+        <p:nvSpPr>
+          <p:cNvPr id="13" name="TextBox 12">
+            <a:extLst>
+              <a:ext uri="{FF2B5EF4-FFF2-40B4-BE49-F238E27FC236}">
+                <a16:creationId xmlns:a16="http://schemas.microsoft.com/office/drawing/2014/main" id="{D0FD7B7E-B3BD-B544-B62D-E121FE759AAA}"/>
+              </a:ext>
+            </a:extLst>
+          </p:cNvPr>
+          <p:cNvSpPr txBox="1"/>
+          <p:nvPr/>
+        </p:nvSpPr>
+        <p:spPr>
+          <a:xfrm>
+            <a:off x="6053464" y="5132503"/>
+            <a:ext cx="2374111" cy="369332"/>
+          </a:xfrm>
+          <a:prstGeom prst="rect">
+            <a:avLst/>
+          </a:prstGeom>
+          <a:noFill/>
+        </p:spPr>
+        <p:txBody>
+          <a:bodyPr wrap="none" rtlCol="0">
+            <a:spAutoFit/>
+          </a:bodyPr>
+          <a:lstStyle/>
+          <a:p>
+            <a:r>
+              <a:rPr lang="en-CA" dirty="0"/>
+              <a:t>Memory Address: 3724</a:t>
+            </a:r>
+            <a:endParaRPr lang="en-US" dirty="0"/>
+          </a:p>
+        </p:txBody>
+      </p:sp>
+    </p:spTree>
+    <p:extLst>
+      <p:ext uri="{BB962C8B-B14F-4D97-AF65-F5344CB8AC3E}">
+        <p14:creationId xmlns:p14="http://schemas.microsoft.com/office/powerpoint/2010/main" val="4176115845"/>
+      </p:ext>
+    </p:extLst>
+  </p:cSld>
+  <p:clrMapOvr>
+    <a:masterClrMapping/>
+  </p:clrMapOvr>
+</p:sld>
+</file>
+
 <file path=ppt/theme/theme1.xml><?xml version="1.0" encoding="utf-8"?>
 <a:theme xmlns:a="http://schemas.openxmlformats.org/drawingml/2006/main" name="Office Theme">
   <a:themeElements>

--- a/Assignment 2/Tracing Powerpoint.pptx
+++ b/Assignment 2/Tracing Powerpoint.pptx
@@ -9,6 +9,8 @@
     <p:sldId id="257" r:id="rId3"/>
     <p:sldId id="258" r:id="rId4"/>
     <p:sldId id="259" r:id="rId5"/>
+    <p:sldId id="260" r:id="rId6"/>
+    <p:sldId id="261" r:id="rId7"/>
   </p:sldIdLst>
   <p:sldSz cx="12192000" cy="6858000"/>
   <p:notesSz cx="6858000" cy="9144000"/>
@@ -3448,15 +3450,7 @@
           <a:p>
             <a:r>
               <a:rPr lang="en-CA" dirty="0"/>
-              <a:t>Initialized </a:t>
-            </a:r>
-            <a:r>
-              <a:rPr lang="en-CA" dirty="0" err="1"/>
-              <a:t>BankAccount</a:t>
-            </a:r>
-            <a:r>
-              <a:rPr lang="en-CA" dirty="0"/>
-              <a:t> Object</a:t>
+              <a:t>Create Account</a:t>
             </a:r>
             <a:endParaRPr lang="en-US" dirty="0"/>
           </a:p>
@@ -3492,7 +3486,7 @@
             </a:r>
             <a:r>
               <a:rPr lang="en-CA" dirty="0"/>
-              <a:t> b = new </a:t>
+              <a:t> b1 = new </a:t>
             </a:r>
             <a:r>
               <a:rPr lang="en-CA" dirty="0" err="1"/>
@@ -3616,6 +3610,42 @@
               <a:rPr lang="en-CA" dirty="0"/>
               <a:t>Memory Address: 2078</a:t>
             </a:r>
+          </a:p>
+        </p:txBody>
+      </p:sp>
+      <p:sp>
+        <p:nvSpPr>
+          <p:cNvPr id="6" name="TextBox 5">
+            <a:extLst>
+              <a:ext uri="{FF2B5EF4-FFF2-40B4-BE49-F238E27FC236}">
+                <a16:creationId xmlns:a16="http://schemas.microsoft.com/office/drawing/2014/main" id="{470C63AC-D942-3248-9A02-F7C74724184C}"/>
+              </a:ext>
+            </a:extLst>
+          </p:cNvPr>
+          <p:cNvSpPr txBox="1"/>
+          <p:nvPr/>
+        </p:nvSpPr>
+        <p:spPr>
+          <a:xfrm>
+            <a:off x="900070" y="2920639"/>
+            <a:ext cx="423514" cy="369332"/>
+          </a:xfrm>
+          <a:prstGeom prst="rect">
+            <a:avLst/>
+          </a:prstGeom>
+          <a:noFill/>
+        </p:spPr>
+        <p:txBody>
+          <a:bodyPr wrap="none" rtlCol="0">
+            <a:spAutoFit/>
+          </a:bodyPr>
+          <a:lstStyle/>
+          <a:p>
+            <a:r>
+              <a:rPr lang="en-CA" dirty="0"/>
+              <a:t>b1</a:t>
+            </a:r>
+            <a:endParaRPr lang="en-US" dirty="0"/>
           </a:p>
         </p:txBody>
       </p:sp>
@@ -4002,6 +4032,243 @@
           </a:p>
         </p:txBody>
       </p:sp>
+      <p:sp>
+        <p:nvSpPr>
+          <p:cNvPr id="9" name="TextBox 8">
+            <a:extLst>
+              <a:ext uri="{FF2B5EF4-FFF2-40B4-BE49-F238E27FC236}">
+                <a16:creationId xmlns:a16="http://schemas.microsoft.com/office/drawing/2014/main" id="{1C1F60BD-FDF2-B041-A470-5B1C44BEF392}"/>
+              </a:ext>
+            </a:extLst>
+          </p:cNvPr>
+          <p:cNvSpPr txBox="1"/>
+          <p:nvPr/>
+        </p:nvSpPr>
+        <p:spPr>
+          <a:xfrm>
+            <a:off x="899595" y="3350134"/>
+            <a:ext cx="423514" cy="369332"/>
+          </a:xfrm>
+          <a:prstGeom prst="rect">
+            <a:avLst/>
+          </a:prstGeom>
+          <a:noFill/>
+        </p:spPr>
+        <p:txBody>
+          <a:bodyPr wrap="none" rtlCol="0">
+            <a:spAutoFit/>
+          </a:bodyPr>
+          <a:lstStyle/>
+          <a:p>
+            <a:r>
+              <a:rPr lang="en-CA" dirty="0"/>
+              <a:t>b2</a:t>
+            </a:r>
+            <a:endParaRPr lang="en-US" dirty="0"/>
+          </a:p>
+        </p:txBody>
+      </p:sp>
+      <p:sp>
+        <p:nvSpPr>
+          <p:cNvPr id="10" name="TextBox 9">
+            <a:extLst>
+              <a:ext uri="{FF2B5EF4-FFF2-40B4-BE49-F238E27FC236}">
+                <a16:creationId xmlns:a16="http://schemas.microsoft.com/office/drawing/2014/main" id="{19755042-9096-5543-A1C5-AB20A9758823}"/>
+              </a:ext>
+            </a:extLst>
+          </p:cNvPr>
+          <p:cNvSpPr txBox="1"/>
+          <p:nvPr/>
+        </p:nvSpPr>
+        <p:spPr>
+          <a:xfrm>
+            <a:off x="5546844" y="3350134"/>
+            <a:ext cx="423514" cy="369332"/>
+          </a:xfrm>
+          <a:prstGeom prst="rect">
+            <a:avLst/>
+          </a:prstGeom>
+          <a:noFill/>
+        </p:spPr>
+        <p:txBody>
+          <a:bodyPr wrap="none" rtlCol="0">
+            <a:spAutoFit/>
+          </a:bodyPr>
+          <a:lstStyle/>
+          <a:p>
+            <a:r>
+              <a:rPr lang="en-CA" dirty="0"/>
+              <a:t>b2</a:t>
+            </a:r>
+            <a:endParaRPr lang="en-US" dirty="0"/>
+          </a:p>
+        </p:txBody>
+      </p:sp>
+      <p:grpSp>
+        <p:nvGrpSpPr>
+          <p:cNvPr id="12" name="Group 11">
+            <a:extLst>
+              <a:ext uri="{FF2B5EF4-FFF2-40B4-BE49-F238E27FC236}">
+                <a16:creationId xmlns:a16="http://schemas.microsoft.com/office/drawing/2014/main" id="{7F06F3F8-25E9-B74D-BA4A-FD7A4CBAC2E7}"/>
+              </a:ext>
+            </a:extLst>
+          </p:cNvPr>
+          <p:cNvGrpSpPr/>
+          <p:nvPr/>
+        </p:nvGrpSpPr>
+        <p:grpSpPr>
+          <a:xfrm>
+            <a:off x="8552765" y="302912"/>
+            <a:ext cx="3491821" cy="1449987"/>
+            <a:chOff x="8511201" y="1870105"/>
+            <a:chExt cx="3491821" cy="1449987"/>
+          </a:xfrm>
+        </p:grpSpPr>
+        <p:sp>
+          <p:nvSpPr>
+            <p:cNvPr id="13" name="Rectangle 12">
+              <a:extLst>
+                <a:ext uri="{FF2B5EF4-FFF2-40B4-BE49-F238E27FC236}">
+                  <a16:creationId xmlns:a16="http://schemas.microsoft.com/office/drawing/2014/main" id="{DDAE8061-3E07-DB40-893A-5B5BAC2E44FD}"/>
+                </a:ext>
+              </a:extLst>
+            </p:cNvPr>
+            <p:cNvSpPr/>
+            <p:nvPr/>
+          </p:nvSpPr>
+          <p:spPr>
+            <a:xfrm>
+              <a:off x="8996585" y="2239437"/>
+              <a:ext cx="3006437" cy="1080655"/>
+            </a:xfrm>
+            <a:prstGeom prst="rect">
+              <a:avLst/>
+            </a:prstGeom>
+            <a:noFill/>
+            <a:ln>
+              <a:solidFill>
+                <a:schemeClr val="tx1"/>
+              </a:solidFill>
+            </a:ln>
+          </p:spPr>
+          <p:style>
+            <a:lnRef idx="2">
+              <a:schemeClr val="accent6"/>
+            </a:lnRef>
+            <a:fillRef idx="1">
+              <a:schemeClr val="lt1"/>
+            </a:fillRef>
+            <a:effectRef idx="0">
+              <a:schemeClr val="accent6"/>
+            </a:effectRef>
+            <a:fontRef idx="minor">
+              <a:schemeClr val="dk1"/>
+            </a:fontRef>
+          </p:style>
+          <p:txBody>
+            <a:bodyPr rtlCol="0" anchor="ctr"/>
+            <a:lstStyle/>
+            <a:p>
+              <a:r>
+                <a:rPr lang="en-CA" dirty="0" err="1"/>
+                <a:t>BankAccount</a:t>
+              </a:r>
+              <a:endParaRPr lang="en-CA" dirty="0"/>
+            </a:p>
+            <a:p>
+              <a:r>
+                <a:rPr lang="en-CA" dirty="0"/>
+                <a:t>balance</a:t>
+              </a:r>
+              <a:r>
+                <a:rPr lang="en-US" dirty="0"/>
+                <a:t> = 0.0</a:t>
+              </a:r>
+            </a:p>
+            <a:p>
+              <a:r>
+                <a:rPr lang="en-CA" dirty="0" err="1"/>
+                <a:t>overdraftAmount</a:t>
+              </a:r>
+              <a:r>
+                <a:rPr lang="en-CA" dirty="0"/>
+                <a:t> = 100.00</a:t>
+              </a:r>
+            </a:p>
+          </p:txBody>
+        </p:sp>
+        <p:sp>
+          <p:nvSpPr>
+            <p:cNvPr id="14" name="TextBox 13">
+              <a:extLst>
+                <a:ext uri="{FF2B5EF4-FFF2-40B4-BE49-F238E27FC236}">
+                  <a16:creationId xmlns:a16="http://schemas.microsoft.com/office/drawing/2014/main" id="{7FD9504B-925A-084D-9738-19A66F822511}"/>
+                </a:ext>
+              </a:extLst>
+            </p:cNvPr>
+            <p:cNvSpPr txBox="1"/>
+            <p:nvPr/>
+          </p:nvSpPr>
+          <p:spPr>
+            <a:xfrm>
+              <a:off x="8996585" y="1870105"/>
+              <a:ext cx="2374111" cy="369332"/>
+            </a:xfrm>
+            <a:prstGeom prst="rect">
+              <a:avLst/>
+            </a:prstGeom>
+            <a:noFill/>
+          </p:spPr>
+          <p:txBody>
+            <a:bodyPr wrap="none" rtlCol="0">
+              <a:spAutoFit/>
+            </a:bodyPr>
+            <a:lstStyle/>
+            <a:p>
+              <a:r>
+                <a:rPr lang="en-CA" dirty="0"/>
+                <a:t>Memory Address: 2078</a:t>
+              </a:r>
+            </a:p>
+          </p:txBody>
+        </p:sp>
+        <p:sp>
+          <p:nvSpPr>
+            <p:cNvPr id="15" name="TextBox 14">
+              <a:extLst>
+                <a:ext uri="{FF2B5EF4-FFF2-40B4-BE49-F238E27FC236}">
+                  <a16:creationId xmlns:a16="http://schemas.microsoft.com/office/drawing/2014/main" id="{1DAA9F6B-6D95-B045-942A-D6ED287EF227}"/>
+                </a:ext>
+              </a:extLst>
+            </p:cNvPr>
+            <p:cNvSpPr txBox="1"/>
+            <p:nvPr/>
+          </p:nvSpPr>
+          <p:spPr>
+            <a:xfrm>
+              <a:off x="8511201" y="2239437"/>
+              <a:ext cx="423514" cy="369332"/>
+            </a:xfrm>
+            <a:prstGeom prst="rect">
+              <a:avLst/>
+            </a:prstGeom>
+            <a:noFill/>
+          </p:spPr>
+          <p:txBody>
+            <a:bodyPr wrap="none" rtlCol="0">
+              <a:spAutoFit/>
+            </a:bodyPr>
+            <a:lstStyle/>
+            <a:p>
+              <a:r>
+                <a:rPr lang="en-CA" dirty="0"/>
+                <a:t>b1</a:t>
+              </a:r>
+              <a:endParaRPr lang="en-US" dirty="0"/>
+            </a:p>
+          </p:txBody>
+        </p:sp>
+      </p:grpSp>
     </p:spTree>
     <p:extLst>
       <p:ext uri="{BB962C8B-B14F-4D97-AF65-F5344CB8AC3E}">
@@ -4660,10 +4927,2631 @@
           </a:p>
         </p:txBody>
       </p:sp>
+      <p:sp>
+        <p:nvSpPr>
+          <p:cNvPr id="16" name="TextBox 15">
+            <a:extLst>
+              <a:ext uri="{FF2B5EF4-FFF2-40B4-BE49-F238E27FC236}">
+                <a16:creationId xmlns:a16="http://schemas.microsoft.com/office/drawing/2014/main" id="{DE9F9DF3-5D08-7740-B1CC-732085553715}"/>
+              </a:ext>
+            </a:extLst>
+          </p:cNvPr>
+          <p:cNvSpPr txBox="1"/>
+          <p:nvPr/>
+        </p:nvSpPr>
+        <p:spPr>
+          <a:xfrm>
+            <a:off x="900070" y="4042859"/>
+            <a:ext cx="423514" cy="369332"/>
+          </a:xfrm>
+          <a:prstGeom prst="rect">
+            <a:avLst/>
+          </a:prstGeom>
+          <a:noFill/>
+        </p:spPr>
+        <p:txBody>
+          <a:bodyPr wrap="none" rtlCol="0">
+            <a:spAutoFit/>
+          </a:bodyPr>
+          <a:lstStyle/>
+          <a:p>
+            <a:r>
+              <a:rPr lang="en-CA" dirty="0"/>
+              <a:t>b3</a:t>
+            </a:r>
+            <a:endParaRPr lang="en-US" dirty="0"/>
+          </a:p>
+        </p:txBody>
+      </p:sp>
+      <p:sp>
+        <p:nvSpPr>
+          <p:cNvPr id="18" name="TextBox 17">
+            <a:extLst>
+              <a:ext uri="{FF2B5EF4-FFF2-40B4-BE49-F238E27FC236}">
+                <a16:creationId xmlns:a16="http://schemas.microsoft.com/office/drawing/2014/main" id="{16F595E1-491A-2B4B-ABD0-C0ACB0DD8EB4}"/>
+              </a:ext>
+            </a:extLst>
+          </p:cNvPr>
+          <p:cNvSpPr txBox="1"/>
+          <p:nvPr/>
+        </p:nvSpPr>
+        <p:spPr>
+          <a:xfrm>
+            <a:off x="961703" y="5501835"/>
+            <a:ext cx="423514" cy="369332"/>
+          </a:xfrm>
+          <a:prstGeom prst="rect">
+            <a:avLst/>
+          </a:prstGeom>
+          <a:noFill/>
+        </p:spPr>
+        <p:txBody>
+          <a:bodyPr wrap="none" rtlCol="0">
+            <a:spAutoFit/>
+          </a:bodyPr>
+          <a:lstStyle/>
+          <a:p>
+            <a:r>
+              <a:rPr lang="en-CA" dirty="0"/>
+              <a:t>b3</a:t>
+            </a:r>
+            <a:endParaRPr lang="en-US" dirty="0"/>
+          </a:p>
+        </p:txBody>
+      </p:sp>
+      <p:sp>
+        <p:nvSpPr>
+          <p:cNvPr id="19" name="TextBox 18">
+            <a:extLst>
+              <a:ext uri="{FF2B5EF4-FFF2-40B4-BE49-F238E27FC236}">
+                <a16:creationId xmlns:a16="http://schemas.microsoft.com/office/drawing/2014/main" id="{F6C67C63-76E8-134C-A186-C362C05DC9D1}"/>
+              </a:ext>
+            </a:extLst>
+          </p:cNvPr>
+          <p:cNvSpPr txBox="1"/>
+          <p:nvPr/>
+        </p:nvSpPr>
+        <p:spPr>
+          <a:xfrm>
+            <a:off x="5547795" y="3985859"/>
+            <a:ext cx="423514" cy="369332"/>
+          </a:xfrm>
+          <a:prstGeom prst="rect">
+            <a:avLst/>
+          </a:prstGeom>
+          <a:noFill/>
+        </p:spPr>
+        <p:txBody>
+          <a:bodyPr wrap="none" rtlCol="0">
+            <a:spAutoFit/>
+          </a:bodyPr>
+          <a:lstStyle/>
+          <a:p>
+            <a:r>
+              <a:rPr lang="en-CA" dirty="0"/>
+              <a:t>b3</a:t>
+            </a:r>
+            <a:endParaRPr lang="en-US" dirty="0"/>
+          </a:p>
+        </p:txBody>
+      </p:sp>
+      <p:sp>
+        <p:nvSpPr>
+          <p:cNvPr id="20" name="TextBox 19">
+            <a:extLst>
+              <a:ext uri="{FF2B5EF4-FFF2-40B4-BE49-F238E27FC236}">
+                <a16:creationId xmlns:a16="http://schemas.microsoft.com/office/drawing/2014/main" id="{5B550DD2-62CB-C548-88EF-BFC71C196592}"/>
+              </a:ext>
+            </a:extLst>
+          </p:cNvPr>
+          <p:cNvSpPr txBox="1"/>
+          <p:nvPr/>
+        </p:nvSpPr>
+        <p:spPr>
+          <a:xfrm>
+            <a:off x="5602003" y="5501835"/>
+            <a:ext cx="423514" cy="369332"/>
+          </a:xfrm>
+          <a:prstGeom prst="rect">
+            <a:avLst/>
+          </a:prstGeom>
+          <a:noFill/>
+        </p:spPr>
+        <p:txBody>
+          <a:bodyPr wrap="none" rtlCol="0">
+            <a:spAutoFit/>
+          </a:bodyPr>
+          <a:lstStyle/>
+          <a:p>
+            <a:r>
+              <a:rPr lang="en-CA" dirty="0"/>
+              <a:t>b3</a:t>
+            </a:r>
+            <a:endParaRPr lang="en-US" dirty="0"/>
+          </a:p>
+        </p:txBody>
+      </p:sp>
+      <p:grpSp>
+        <p:nvGrpSpPr>
+          <p:cNvPr id="22" name="Group 21">
+            <a:extLst>
+              <a:ext uri="{FF2B5EF4-FFF2-40B4-BE49-F238E27FC236}">
+                <a16:creationId xmlns:a16="http://schemas.microsoft.com/office/drawing/2014/main" id="{D2062623-4E34-9D4B-84C2-339E3B2DDB65}"/>
+              </a:ext>
+            </a:extLst>
+          </p:cNvPr>
+          <p:cNvGrpSpPr/>
+          <p:nvPr/>
+        </p:nvGrpSpPr>
+        <p:grpSpPr>
+          <a:xfrm>
+            <a:off x="8620570" y="107742"/>
+            <a:ext cx="3382452" cy="1517455"/>
+            <a:chOff x="7595333" y="751789"/>
+            <a:chExt cx="3382452" cy="1517455"/>
+          </a:xfrm>
+        </p:grpSpPr>
+        <p:sp>
+          <p:nvSpPr>
+            <p:cNvPr id="14" name="Rectangle 13">
+              <a:extLst>
+                <a:ext uri="{FF2B5EF4-FFF2-40B4-BE49-F238E27FC236}">
+                  <a16:creationId xmlns:a16="http://schemas.microsoft.com/office/drawing/2014/main" id="{83DFDFF6-E140-F44F-B96E-DE200291EF39}"/>
+                </a:ext>
+              </a:extLst>
+            </p:cNvPr>
+            <p:cNvSpPr/>
+            <p:nvPr/>
+          </p:nvSpPr>
+          <p:spPr>
+            <a:xfrm>
+              <a:off x="7971348" y="1188589"/>
+              <a:ext cx="3006437" cy="1080655"/>
+            </a:xfrm>
+            <a:prstGeom prst="rect">
+              <a:avLst/>
+            </a:prstGeom>
+            <a:noFill/>
+            <a:ln>
+              <a:solidFill>
+                <a:schemeClr val="tx1"/>
+              </a:solidFill>
+            </a:ln>
+          </p:spPr>
+          <p:style>
+            <a:lnRef idx="2">
+              <a:schemeClr val="accent6"/>
+            </a:lnRef>
+            <a:fillRef idx="1">
+              <a:schemeClr val="lt1"/>
+            </a:fillRef>
+            <a:effectRef idx="0">
+              <a:schemeClr val="accent6"/>
+            </a:effectRef>
+            <a:fontRef idx="minor">
+              <a:schemeClr val="dk1"/>
+            </a:fontRef>
+          </p:style>
+          <p:txBody>
+            <a:bodyPr rtlCol="0" anchor="ctr"/>
+            <a:lstStyle/>
+            <a:p>
+              <a:r>
+                <a:rPr lang="en-CA" dirty="0" err="1"/>
+                <a:t>BankAccount</a:t>
+              </a:r>
+              <a:endParaRPr lang="en-CA" dirty="0"/>
+            </a:p>
+            <a:p>
+              <a:r>
+                <a:rPr lang="en-CA" dirty="0"/>
+                <a:t>balance</a:t>
+              </a:r>
+              <a:r>
+                <a:rPr lang="en-US" dirty="0"/>
+                <a:t> = 60.00</a:t>
+              </a:r>
+            </a:p>
+            <a:p>
+              <a:r>
+                <a:rPr lang="en-CA" dirty="0" err="1"/>
+                <a:t>overdraftAmount</a:t>
+              </a:r>
+              <a:r>
+                <a:rPr lang="en-CA" dirty="0"/>
+                <a:t> = 100.00</a:t>
+              </a:r>
+            </a:p>
+          </p:txBody>
+        </p:sp>
+        <p:sp>
+          <p:nvSpPr>
+            <p:cNvPr id="15" name="TextBox 14">
+              <a:extLst>
+                <a:ext uri="{FF2B5EF4-FFF2-40B4-BE49-F238E27FC236}">
+                  <a16:creationId xmlns:a16="http://schemas.microsoft.com/office/drawing/2014/main" id="{D1EC670D-5C23-8F4F-B44A-5861C698DD88}"/>
+                </a:ext>
+              </a:extLst>
+            </p:cNvPr>
+            <p:cNvSpPr txBox="1"/>
+            <p:nvPr/>
+          </p:nvSpPr>
+          <p:spPr>
+            <a:xfrm>
+              <a:off x="7971348" y="751789"/>
+              <a:ext cx="2374111" cy="369332"/>
+            </a:xfrm>
+            <a:prstGeom prst="rect">
+              <a:avLst/>
+            </a:prstGeom>
+            <a:noFill/>
+          </p:spPr>
+          <p:txBody>
+            <a:bodyPr wrap="none" rtlCol="0">
+              <a:spAutoFit/>
+            </a:bodyPr>
+            <a:lstStyle/>
+            <a:p>
+              <a:r>
+                <a:rPr lang="en-CA" dirty="0"/>
+                <a:t>Memory Address: 1056</a:t>
+              </a:r>
+              <a:endParaRPr lang="en-US" dirty="0"/>
+            </a:p>
+          </p:txBody>
+        </p:sp>
+        <p:sp>
+          <p:nvSpPr>
+            <p:cNvPr id="21" name="TextBox 20">
+              <a:extLst>
+                <a:ext uri="{FF2B5EF4-FFF2-40B4-BE49-F238E27FC236}">
+                  <a16:creationId xmlns:a16="http://schemas.microsoft.com/office/drawing/2014/main" id="{3157A267-5DA4-4C43-BAA8-AA510A79D4B2}"/>
+                </a:ext>
+              </a:extLst>
+            </p:cNvPr>
+            <p:cNvSpPr txBox="1"/>
+            <p:nvPr/>
+          </p:nvSpPr>
+          <p:spPr>
+            <a:xfrm>
+              <a:off x="7595333" y="1188589"/>
+              <a:ext cx="423514" cy="369332"/>
+            </a:xfrm>
+            <a:prstGeom prst="rect">
+              <a:avLst/>
+            </a:prstGeom>
+            <a:noFill/>
+          </p:spPr>
+          <p:txBody>
+            <a:bodyPr wrap="none" rtlCol="0">
+              <a:spAutoFit/>
+            </a:bodyPr>
+            <a:lstStyle/>
+            <a:p>
+              <a:r>
+                <a:rPr lang="en-CA" dirty="0"/>
+                <a:t>b2</a:t>
+              </a:r>
+              <a:endParaRPr lang="en-US" dirty="0"/>
+            </a:p>
+          </p:txBody>
+        </p:sp>
+      </p:grpSp>
+      <p:grpSp>
+        <p:nvGrpSpPr>
+          <p:cNvPr id="26" name="Group 25">
+            <a:extLst>
+              <a:ext uri="{FF2B5EF4-FFF2-40B4-BE49-F238E27FC236}">
+                <a16:creationId xmlns:a16="http://schemas.microsoft.com/office/drawing/2014/main" id="{811775E6-411D-174E-9774-CBB3477EDBBC}"/>
+              </a:ext>
+            </a:extLst>
+          </p:cNvPr>
+          <p:cNvGrpSpPr/>
+          <p:nvPr/>
+        </p:nvGrpSpPr>
+        <p:grpSpPr>
+          <a:xfrm>
+            <a:off x="8511201" y="1870105"/>
+            <a:ext cx="3491821" cy="1449987"/>
+            <a:chOff x="8511201" y="1870105"/>
+            <a:chExt cx="3491821" cy="1449987"/>
+          </a:xfrm>
+        </p:grpSpPr>
+        <p:sp>
+          <p:nvSpPr>
+            <p:cNvPr id="23" name="Rectangle 22">
+              <a:extLst>
+                <a:ext uri="{FF2B5EF4-FFF2-40B4-BE49-F238E27FC236}">
+                  <a16:creationId xmlns:a16="http://schemas.microsoft.com/office/drawing/2014/main" id="{EC97DA77-7389-5A44-965C-63E16208A565}"/>
+                </a:ext>
+              </a:extLst>
+            </p:cNvPr>
+            <p:cNvSpPr/>
+            <p:nvPr/>
+          </p:nvSpPr>
+          <p:spPr>
+            <a:xfrm>
+              <a:off x="8996585" y="2239437"/>
+              <a:ext cx="3006437" cy="1080655"/>
+            </a:xfrm>
+            <a:prstGeom prst="rect">
+              <a:avLst/>
+            </a:prstGeom>
+            <a:noFill/>
+            <a:ln>
+              <a:solidFill>
+                <a:schemeClr val="tx1"/>
+              </a:solidFill>
+            </a:ln>
+          </p:spPr>
+          <p:style>
+            <a:lnRef idx="2">
+              <a:schemeClr val="accent6"/>
+            </a:lnRef>
+            <a:fillRef idx="1">
+              <a:schemeClr val="lt1"/>
+            </a:fillRef>
+            <a:effectRef idx="0">
+              <a:schemeClr val="accent6"/>
+            </a:effectRef>
+            <a:fontRef idx="minor">
+              <a:schemeClr val="dk1"/>
+            </a:fontRef>
+          </p:style>
+          <p:txBody>
+            <a:bodyPr rtlCol="0" anchor="ctr"/>
+            <a:lstStyle/>
+            <a:p>
+              <a:r>
+                <a:rPr lang="en-CA" dirty="0" err="1"/>
+                <a:t>BankAccount</a:t>
+              </a:r>
+              <a:endParaRPr lang="en-CA" dirty="0"/>
+            </a:p>
+            <a:p>
+              <a:r>
+                <a:rPr lang="en-CA" dirty="0"/>
+                <a:t>balance</a:t>
+              </a:r>
+              <a:r>
+                <a:rPr lang="en-US" dirty="0"/>
+                <a:t> = 0.0</a:t>
+              </a:r>
+            </a:p>
+            <a:p>
+              <a:r>
+                <a:rPr lang="en-CA" dirty="0" err="1"/>
+                <a:t>overdraftAmount</a:t>
+              </a:r>
+              <a:r>
+                <a:rPr lang="en-CA" dirty="0"/>
+                <a:t> = 100.00</a:t>
+              </a:r>
+            </a:p>
+          </p:txBody>
+        </p:sp>
+        <p:sp>
+          <p:nvSpPr>
+            <p:cNvPr id="24" name="TextBox 23">
+              <a:extLst>
+                <a:ext uri="{FF2B5EF4-FFF2-40B4-BE49-F238E27FC236}">
+                  <a16:creationId xmlns:a16="http://schemas.microsoft.com/office/drawing/2014/main" id="{5464A566-7B04-864E-870D-2C92C95E6C4F}"/>
+                </a:ext>
+              </a:extLst>
+            </p:cNvPr>
+            <p:cNvSpPr txBox="1"/>
+            <p:nvPr/>
+          </p:nvSpPr>
+          <p:spPr>
+            <a:xfrm>
+              <a:off x="8996585" y="1870105"/>
+              <a:ext cx="2374111" cy="369332"/>
+            </a:xfrm>
+            <a:prstGeom prst="rect">
+              <a:avLst/>
+            </a:prstGeom>
+            <a:noFill/>
+          </p:spPr>
+          <p:txBody>
+            <a:bodyPr wrap="none" rtlCol="0">
+              <a:spAutoFit/>
+            </a:bodyPr>
+            <a:lstStyle/>
+            <a:p>
+              <a:r>
+                <a:rPr lang="en-CA" dirty="0"/>
+                <a:t>Memory Address: 2078</a:t>
+              </a:r>
+            </a:p>
+          </p:txBody>
+        </p:sp>
+        <p:sp>
+          <p:nvSpPr>
+            <p:cNvPr id="25" name="TextBox 24">
+              <a:extLst>
+                <a:ext uri="{FF2B5EF4-FFF2-40B4-BE49-F238E27FC236}">
+                  <a16:creationId xmlns:a16="http://schemas.microsoft.com/office/drawing/2014/main" id="{DB051090-AF2F-2346-B810-3BFC90E57CCC}"/>
+                </a:ext>
+              </a:extLst>
+            </p:cNvPr>
+            <p:cNvSpPr txBox="1"/>
+            <p:nvPr/>
+          </p:nvSpPr>
+          <p:spPr>
+            <a:xfrm>
+              <a:off x="8511201" y="2239437"/>
+              <a:ext cx="423514" cy="369332"/>
+            </a:xfrm>
+            <a:prstGeom prst="rect">
+              <a:avLst/>
+            </a:prstGeom>
+            <a:noFill/>
+          </p:spPr>
+          <p:txBody>
+            <a:bodyPr wrap="none" rtlCol="0">
+              <a:spAutoFit/>
+            </a:bodyPr>
+            <a:lstStyle/>
+            <a:p>
+              <a:r>
+                <a:rPr lang="en-CA" dirty="0"/>
+                <a:t>b1</a:t>
+              </a:r>
+              <a:endParaRPr lang="en-US" dirty="0"/>
+            </a:p>
+          </p:txBody>
+        </p:sp>
+      </p:grpSp>
     </p:spTree>
     <p:extLst>
       <p:ext uri="{BB962C8B-B14F-4D97-AF65-F5344CB8AC3E}">
         <p14:creationId xmlns:p14="http://schemas.microsoft.com/office/powerpoint/2010/main" val="4176115845"/>
+      </p:ext>
+    </p:extLst>
+  </p:cSld>
+  <p:clrMapOvr>
+    <a:masterClrMapping/>
+  </p:clrMapOvr>
+</p:sld>
+</file>
+
+<file path=ppt/slides/slide5.xml><?xml version="1.0" encoding="utf-8"?>
+<p:sld xmlns:a="http://schemas.openxmlformats.org/drawingml/2006/main" xmlns:r="http://schemas.openxmlformats.org/officeDocument/2006/relationships" xmlns:p="http://schemas.openxmlformats.org/presentationml/2006/main">
+  <p:cSld>
+    <p:spTree>
+      <p:nvGrpSpPr>
+        <p:cNvPr id="1" name=""/>
+        <p:cNvGrpSpPr/>
+        <p:nvPr/>
+      </p:nvGrpSpPr>
+      <p:grpSpPr>
+        <a:xfrm>
+          <a:off x="0" y="0"/>
+          <a:ext cx="0" cy="0"/>
+          <a:chOff x="0" y="0"/>
+          <a:chExt cx="0" cy="0"/>
+        </a:xfrm>
+      </p:grpSpPr>
+      <p:sp>
+        <p:nvSpPr>
+          <p:cNvPr id="2" name="Title 1">
+            <a:extLst>
+              <a:ext uri="{FF2B5EF4-FFF2-40B4-BE49-F238E27FC236}">
+                <a16:creationId xmlns:a16="http://schemas.microsoft.com/office/drawing/2014/main" id="{19B1E4C9-3AA3-3F41-B4CD-3F85D06FB000}"/>
+              </a:ext>
+            </a:extLst>
+          </p:cNvPr>
+          <p:cNvSpPr>
+            <a:spLocks noGrp="1"/>
+          </p:cNvSpPr>
+          <p:nvPr>
+            <p:ph type="title"/>
+          </p:nvPr>
+        </p:nvSpPr>
+        <p:spPr/>
+        <p:txBody>
+          <a:bodyPr/>
+          <a:lstStyle/>
+          <a:p>
+            <a:r>
+              <a:rPr lang="en-CA" dirty="0"/>
+              <a:t>Assigning b2 to b1</a:t>
+            </a:r>
+            <a:endParaRPr lang="en-US" dirty="0"/>
+          </a:p>
+        </p:txBody>
+      </p:sp>
+      <p:sp>
+        <p:nvSpPr>
+          <p:cNvPr id="3" name="Content Placeholder 2">
+            <a:extLst>
+              <a:ext uri="{FF2B5EF4-FFF2-40B4-BE49-F238E27FC236}">
+                <a16:creationId xmlns:a16="http://schemas.microsoft.com/office/drawing/2014/main" id="{EF432C1E-D9AB-7441-8C27-3DB0D508EF94}"/>
+              </a:ext>
+            </a:extLst>
+          </p:cNvPr>
+          <p:cNvSpPr>
+            <a:spLocks noGrp="1"/>
+          </p:cNvSpPr>
+          <p:nvPr>
+            <p:ph idx="1"/>
+          </p:nvPr>
+        </p:nvSpPr>
+        <p:spPr>
+          <a:xfrm>
+            <a:off x="838200" y="1825625"/>
+            <a:ext cx="10515600" cy="4351338"/>
+          </a:xfrm>
+        </p:spPr>
+        <p:txBody>
+          <a:bodyPr/>
+          <a:lstStyle/>
+          <a:p>
+            <a:pPr marL="0" indent="0">
+              <a:buNone/>
+            </a:pPr>
+            <a:r>
+              <a:rPr lang="en-CA" dirty="0"/>
+              <a:t>b1 = b2;</a:t>
+            </a:r>
+          </a:p>
+          <a:p>
+            <a:pPr marL="0" indent="0">
+              <a:buNone/>
+            </a:pPr>
+            <a:endParaRPr lang="en-US" dirty="0"/>
+          </a:p>
+        </p:txBody>
+      </p:sp>
+      <p:sp>
+        <p:nvSpPr>
+          <p:cNvPr id="4" name="Rectangle 3">
+            <a:extLst>
+              <a:ext uri="{FF2B5EF4-FFF2-40B4-BE49-F238E27FC236}">
+                <a16:creationId xmlns:a16="http://schemas.microsoft.com/office/drawing/2014/main" id="{89A04C6C-555B-764A-B4D4-B1B5854EA3D0}"/>
+              </a:ext>
+            </a:extLst>
+          </p:cNvPr>
+          <p:cNvSpPr/>
+          <p:nvPr/>
+        </p:nvSpPr>
+        <p:spPr>
+          <a:xfrm>
+            <a:off x="838200" y="4767414"/>
+            <a:ext cx="3006437" cy="1080655"/>
+          </a:xfrm>
+          <a:prstGeom prst="rect">
+            <a:avLst/>
+          </a:prstGeom>
+          <a:noFill/>
+          <a:ln>
+            <a:solidFill>
+              <a:schemeClr val="tx1"/>
+            </a:solidFill>
+          </a:ln>
+        </p:spPr>
+        <p:style>
+          <a:lnRef idx="2">
+            <a:schemeClr val="accent6"/>
+          </a:lnRef>
+          <a:fillRef idx="1">
+            <a:schemeClr val="lt1"/>
+          </a:fillRef>
+          <a:effectRef idx="0">
+            <a:schemeClr val="accent6"/>
+          </a:effectRef>
+          <a:fontRef idx="minor">
+            <a:schemeClr val="dk1"/>
+          </a:fontRef>
+        </p:style>
+        <p:txBody>
+          <a:bodyPr rtlCol="0" anchor="ctr"/>
+          <a:lstStyle/>
+          <a:p>
+            <a:r>
+              <a:rPr lang="en-CA" dirty="0" err="1"/>
+              <a:t>BankAccount</a:t>
+            </a:r>
+            <a:endParaRPr lang="en-CA" dirty="0"/>
+          </a:p>
+          <a:p>
+            <a:r>
+              <a:rPr lang="en-CA" dirty="0"/>
+              <a:t>balance</a:t>
+            </a:r>
+            <a:r>
+              <a:rPr lang="en-US" dirty="0"/>
+              <a:t> = 60.00</a:t>
+            </a:r>
+          </a:p>
+          <a:p>
+            <a:r>
+              <a:rPr lang="en-CA" dirty="0" err="1"/>
+              <a:t>overdraftAmount</a:t>
+            </a:r>
+            <a:r>
+              <a:rPr lang="en-CA" dirty="0"/>
+              <a:t> = 100.00</a:t>
+            </a:r>
+          </a:p>
+        </p:txBody>
+      </p:sp>
+      <p:sp>
+        <p:nvSpPr>
+          <p:cNvPr id="5" name="TextBox 4">
+            <a:extLst>
+              <a:ext uri="{FF2B5EF4-FFF2-40B4-BE49-F238E27FC236}">
+                <a16:creationId xmlns:a16="http://schemas.microsoft.com/office/drawing/2014/main" id="{E532307D-30CA-EA44-A0CB-18FA6F7C7A87}"/>
+              </a:ext>
+            </a:extLst>
+          </p:cNvPr>
+          <p:cNvSpPr txBox="1"/>
+          <p:nvPr/>
+        </p:nvSpPr>
+        <p:spPr>
+          <a:xfrm>
+            <a:off x="838200" y="4330614"/>
+            <a:ext cx="2374111" cy="369332"/>
+          </a:xfrm>
+          <a:prstGeom prst="rect">
+            <a:avLst/>
+          </a:prstGeom>
+          <a:noFill/>
+        </p:spPr>
+        <p:txBody>
+          <a:bodyPr wrap="none" rtlCol="0">
+            <a:spAutoFit/>
+          </a:bodyPr>
+          <a:lstStyle/>
+          <a:p>
+            <a:r>
+              <a:rPr lang="en-CA" dirty="0"/>
+              <a:t>Memory Address: 1056</a:t>
+            </a:r>
+            <a:endParaRPr lang="en-US" dirty="0"/>
+          </a:p>
+        </p:txBody>
+      </p:sp>
+      <p:sp>
+        <p:nvSpPr>
+          <p:cNvPr id="8" name="Rectangle 7">
+            <a:extLst>
+              <a:ext uri="{FF2B5EF4-FFF2-40B4-BE49-F238E27FC236}">
+                <a16:creationId xmlns:a16="http://schemas.microsoft.com/office/drawing/2014/main" id="{33B0E724-9E97-DE49-ADCB-606AD78A901C}"/>
+              </a:ext>
+            </a:extLst>
+          </p:cNvPr>
+          <p:cNvSpPr/>
+          <p:nvPr/>
+        </p:nvSpPr>
+        <p:spPr>
+          <a:xfrm>
+            <a:off x="838200" y="2756192"/>
+            <a:ext cx="3006437" cy="1080655"/>
+          </a:xfrm>
+          <a:prstGeom prst="rect">
+            <a:avLst/>
+          </a:prstGeom>
+          <a:noFill/>
+          <a:ln>
+            <a:solidFill>
+              <a:schemeClr val="tx1"/>
+            </a:solidFill>
+          </a:ln>
+        </p:spPr>
+        <p:style>
+          <a:lnRef idx="2">
+            <a:schemeClr val="accent6"/>
+          </a:lnRef>
+          <a:fillRef idx="1">
+            <a:schemeClr val="lt1"/>
+          </a:fillRef>
+          <a:effectRef idx="0">
+            <a:schemeClr val="accent6"/>
+          </a:effectRef>
+          <a:fontRef idx="minor">
+            <a:schemeClr val="dk1"/>
+          </a:fontRef>
+        </p:style>
+        <p:txBody>
+          <a:bodyPr rtlCol="0" anchor="ctr"/>
+          <a:lstStyle/>
+          <a:p>
+            <a:r>
+              <a:rPr lang="en-CA" dirty="0" err="1"/>
+              <a:t>BankAccount</a:t>
+            </a:r>
+            <a:endParaRPr lang="en-CA" dirty="0"/>
+          </a:p>
+          <a:p>
+            <a:r>
+              <a:rPr lang="en-CA" dirty="0"/>
+              <a:t>balance</a:t>
+            </a:r>
+            <a:r>
+              <a:rPr lang="en-US" dirty="0"/>
+              <a:t> = 0.0</a:t>
+            </a:r>
+          </a:p>
+          <a:p>
+            <a:r>
+              <a:rPr lang="en-CA" dirty="0" err="1"/>
+              <a:t>overdraftAmount</a:t>
+            </a:r>
+            <a:r>
+              <a:rPr lang="en-CA" dirty="0"/>
+              <a:t> = 100.00</a:t>
+            </a:r>
+          </a:p>
+        </p:txBody>
+      </p:sp>
+      <p:sp>
+        <p:nvSpPr>
+          <p:cNvPr id="9" name="TextBox 8">
+            <a:extLst>
+              <a:ext uri="{FF2B5EF4-FFF2-40B4-BE49-F238E27FC236}">
+                <a16:creationId xmlns:a16="http://schemas.microsoft.com/office/drawing/2014/main" id="{F3B7BD66-5D32-9447-85FC-11A1DC5ECE72}"/>
+              </a:ext>
+            </a:extLst>
+          </p:cNvPr>
+          <p:cNvSpPr txBox="1"/>
+          <p:nvPr/>
+        </p:nvSpPr>
+        <p:spPr>
+          <a:xfrm>
+            <a:off x="838200" y="2386860"/>
+            <a:ext cx="2374111" cy="369332"/>
+          </a:xfrm>
+          <a:prstGeom prst="rect">
+            <a:avLst/>
+          </a:prstGeom>
+          <a:noFill/>
+        </p:spPr>
+        <p:txBody>
+          <a:bodyPr wrap="none" rtlCol="0">
+            <a:spAutoFit/>
+          </a:bodyPr>
+          <a:lstStyle/>
+          <a:p>
+            <a:r>
+              <a:rPr lang="en-CA" dirty="0"/>
+              <a:t>Memory Address: 2078</a:t>
+            </a:r>
+          </a:p>
+        </p:txBody>
+      </p:sp>
+      <p:sp>
+        <p:nvSpPr>
+          <p:cNvPr id="10" name="TextBox 9">
+            <a:extLst>
+              <a:ext uri="{FF2B5EF4-FFF2-40B4-BE49-F238E27FC236}">
+                <a16:creationId xmlns:a16="http://schemas.microsoft.com/office/drawing/2014/main" id="{0DD52A61-E345-D64F-9EAA-7099B6C3F6CD}"/>
+              </a:ext>
+            </a:extLst>
+          </p:cNvPr>
+          <p:cNvSpPr txBox="1"/>
+          <p:nvPr/>
+        </p:nvSpPr>
+        <p:spPr>
+          <a:xfrm>
+            <a:off x="414686" y="2756192"/>
+            <a:ext cx="423514" cy="369332"/>
+          </a:xfrm>
+          <a:prstGeom prst="rect">
+            <a:avLst/>
+          </a:prstGeom>
+          <a:noFill/>
+        </p:spPr>
+        <p:txBody>
+          <a:bodyPr wrap="none" rtlCol="0">
+            <a:spAutoFit/>
+          </a:bodyPr>
+          <a:lstStyle/>
+          <a:p>
+            <a:r>
+              <a:rPr lang="en-CA" dirty="0"/>
+              <a:t>b1</a:t>
+            </a:r>
+            <a:endParaRPr lang="en-US" dirty="0"/>
+          </a:p>
+        </p:txBody>
+      </p:sp>
+      <p:sp>
+        <p:nvSpPr>
+          <p:cNvPr id="11" name="TextBox 10">
+            <a:extLst>
+              <a:ext uri="{FF2B5EF4-FFF2-40B4-BE49-F238E27FC236}">
+                <a16:creationId xmlns:a16="http://schemas.microsoft.com/office/drawing/2014/main" id="{C73B1F9C-FE2A-AD4F-A60E-EB1C69671F11}"/>
+              </a:ext>
+            </a:extLst>
+          </p:cNvPr>
+          <p:cNvSpPr txBox="1"/>
+          <p:nvPr/>
+        </p:nvSpPr>
+        <p:spPr>
+          <a:xfrm>
+            <a:off x="413736" y="4767414"/>
+            <a:ext cx="423514" cy="369332"/>
+          </a:xfrm>
+          <a:prstGeom prst="rect">
+            <a:avLst/>
+          </a:prstGeom>
+          <a:noFill/>
+        </p:spPr>
+        <p:txBody>
+          <a:bodyPr wrap="none" rtlCol="0">
+            <a:spAutoFit/>
+          </a:bodyPr>
+          <a:lstStyle/>
+          <a:p>
+            <a:r>
+              <a:rPr lang="en-CA" dirty="0"/>
+              <a:t>b2</a:t>
+            </a:r>
+            <a:endParaRPr lang="en-US" dirty="0"/>
+          </a:p>
+        </p:txBody>
+      </p:sp>
+      <p:sp>
+        <p:nvSpPr>
+          <p:cNvPr id="12" name="Right Arrow 11">
+            <a:extLst>
+              <a:ext uri="{FF2B5EF4-FFF2-40B4-BE49-F238E27FC236}">
+                <a16:creationId xmlns:a16="http://schemas.microsoft.com/office/drawing/2014/main" id="{1236F8ED-24A7-D145-A4C6-97B23208BAAC}"/>
+              </a:ext>
+            </a:extLst>
+          </p:cNvPr>
+          <p:cNvSpPr/>
+          <p:nvPr/>
+        </p:nvSpPr>
+        <p:spPr>
+          <a:xfrm>
+            <a:off x="3844637" y="4001294"/>
+            <a:ext cx="1579418" cy="457200"/>
+          </a:xfrm>
+          <a:prstGeom prst="rightArrow">
+            <a:avLst/>
+          </a:prstGeom>
+        </p:spPr>
+        <p:style>
+          <a:lnRef idx="2">
+            <a:schemeClr val="accent6"/>
+          </a:lnRef>
+          <a:fillRef idx="1">
+            <a:schemeClr val="lt1"/>
+          </a:fillRef>
+          <a:effectRef idx="0">
+            <a:schemeClr val="accent6"/>
+          </a:effectRef>
+          <a:fontRef idx="minor">
+            <a:schemeClr val="dk1"/>
+          </a:fontRef>
+        </p:style>
+        <p:txBody>
+          <a:bodyPr rtlCol="0" anchor="ctr"/>
+          <a:lstStyle/>
+          <a:p>
+            <a:pPr algn="ctr"/>
+            <a:r>
+              <a:rPr lang="en-CA" sz="1600" dirty="0"/>
+              <a:t>b1 = b2</a:t>
+            </a:r>
+            <a:endParaRPr lang="en-US" sz="1600" dirty="0"/>
+          </a:p>
+        </p:txBody>
+      </p:sp>
+      <p:grpSp>
+        <p:nvGrpSpPr>
+          <p:cNvPr id="13" name="Group 12">
+            <a:extLst>
+              <a:ext uri="{FF2B5EF4-FFF2-40B4-BE49-F238E27FC236}">
+                <a16:creationId xmlns:a16="http://schemas.microsoft.com/office/drawing/2014/main" id="{39E64143-F85B-6243-B1C5-700EDEEC7CF6}"/>
+              </a:ext>
+            </a:extLst>
+          </p:cNvPr>
+          <p:cNvGrpSpPr/>
+          <p:nvPr/>
+        </p:nvGrpSpPr>
+        <p:grpSpPr>
+          <a:xfrm>
+            <a:off x="4964444" y="2386860"/>
+            <a:ext cx="3491821" cy="1449987"/>
+            <a:chOff x="8511201" y="1870105"/>
+            <a:chExt cx="3491821" cy="1449987"/>
+          </a:xfrm>
+        </p:grpSpPr>
+        <p:sp>
+          <p:nvSpPr>
+            <p:cNvPr id="14" name="Rectangle 13">
+              <a:extLst>
+                <a:ext uri="{FF2B5EF4-FFF2-40B4-BE49-F238E27FC236}">
+                  <a16:creationId xmlns:a16="http://schemas.microsoft.com/office/drawing/2014/main" id="{71E82A03-2C1A-0242-B3D7-8C8FA7CCA880}"/>
+                </a:ext>
+              </a:extLst>
+            </p:cNvPr>
+            <p:cNvSpPr/>
+            <p:nvPr/>
+          </p:nvSpPr>
+          <p:spPr>
+            <a:xfrm>
+              <a:off x="8996585" y="2239437"/>
+              <a:ext cx="3006437" cy="1080655"/>
+            </a:xfrm>
+            <a:prstGeom prst="rect">
+              <a:avLst/>
+            </a:prstGeom>
+            <a:noFill/>
+            <a:ln>
+              <a:solidFill>
+                <a:schemeClr val="tx1"/>
+              </a:solidFill>
+            </a:ln>
+          </p:spPr>
+          <p:style>
+            <a:lnRef idx="2">
+              <a:schemeClr val="accent6"/>
+            </a:lnRef>
+            <a:fillRef idx="1">
+              <a:schemeClr val="lt1"/>
+            </a:fillRef>
+            <a:effectRef idx="0">
+              <a:schemeClr val="accent6"/>
+            </a:effectRef>
+            <a:fontRef idx="minor">
+              <a:schemeClr val="dk1"/>
+            </a:fontRef>
+          </p:style>
+          <p:txBody>
+            <a:bodyPr rtlCol="0" anchor="ctr"/>
+            <a:lstStyle/>
+            <a:p>
+              <a:r>
+                <a:rPr lang="en-CA" dirty="0" err="1"/>
+                <a:t>BankAccount</a:t>
+              </a:r>
+              <a:endParaRPr lang="en-CA" dirty="0"/>
+            </a:p>
+            <a:p>
+              <a:r>
+                <a:rPr lang="en-CA" dirty="0"/>
+                <a:t>balance</a:t>
+              </a:r>
+              <a:r>
+                <a:rPr lang="en-US" dirty="0"/>
+                <a:t> = 0.0</a:t>
+              </a:r>
+            </a:p>
+            <a:p>
+              <a:r>
+                <a:rPr lang="en-CA" dirty="0" err="1"/>
+                <a:t>overdraftAmount</a:t>
+              </a:r>
+              <a:r>
+                <a:rPr lang="en-CA" dirty="0"/>
+                <a:t> = 100.00</a:t>
+              </a:r>
+            </a:p>
+          </p:txBody>
+        </p:sp>
+        <p:sp>
+          <p:nvSpPr>
+            <p:cNvPr id="15" name="TextBox 14">
+              <a:extLst>
+                <a:ext uri="{FF2B5EF4-FFF2-40B4-BE49-F238E27FC236}">
+                  <a16:creationId xmlns:a16="http://schemas.microsoft.com/office/drawing/2014/main" id="{4DDE6EED-21D5-984F-8713-E9CDCD3A14E5}"/>
+                </a:ext>
+              </a:extLst>
+            </p:cNvPr>
+            <p:cNvSpPr txBox="1"/>
+            <p:nvPr/>
+          </p:nvSpPr>
+          <p:spPr>
+            <a:xfrm>
+              <a:off x="8996585" y="1870105"/>
+              <a:ext cx="2374111" cy="369332"/>
+            </a:xfrm>
+            <a:prstGeom prst="rect">
+              <a:avLst/>
+            </a:prstGeom>
+            <a:noFill/>
+          </p:spPr>
+          <p:txBody>
+            <a:bodyPr wrap="none" rtlCol="0">
+              <a:spAutoFit/>
+            </a:bodyPr>
+            <a:lstStyle/>
+            <a:p>
+              <a:r>
+                <a:rPr lang="en-CA" dirty="0"/>
+                <a:t>Memory Address: 1056</a:t>
+              </a:r>
+            </a:p>
+          </p:txBody>
+        </p:sp>
+        <p:sp>
+          <p:nvSpPr>
+            <p:cNvPr id="16" name="TextBox 15">
+              <a:extLst>
+                <a:ext uri="{FF2B5EF4-FFF2-40B4-BE49-F238E27FC236}">
+                  <a16:creationId xmlns:a16="http://schemas.microsoft.com/office/drawing/2014/main" id="{7B0847FD-B34D-4E46-8889-6CBECDAD6048}"/>
+                </a:ext>
+              </a:extLst>
+            </p:cNvPr>
+            <p:cNvSpPr txBox="1"/>
+            <p:nvPr/>
+          </p:nvSpPr>
+          <p:spPr>
+            <a:xfrm>
+              <a:off x="8511201" y="2239437"/>
+              <a:ext cx="423514" cy="369332"/>
+            </a:xfrm>
+            <a:prstGeom prst="rect">
+              <a:avLst/>
+            </a:prstGeom>
+            <a:noFill/>
+          </p:spPr>
+          <p:txBody>
+            <a:bodyPr wrap="none" rtlCol="0">
+              <a:spAutoFit/>
+            </a:bodyPr>
+            <a:lstStyle/>
+            <a:p>
+              <a:r>
+                <a:rPr lang="en-CA" dirty="0"/>
+                <a:t>b1</a:t>
+              </a:r>
+              <a:endParaRPr lang="en-US" dirty="0"/>
+            </a:p>
+          </p:txBody>
+        </p:sp>
+      </p:grpSp>
+      <p:grpSp>
+        <p:nvGrpSpPr>
+          <p:cNvPr id="17" name="Group 16">
+            <a:extLst>
+              <a:ext uri="{FF2B5EF4-FFF2-40B4-BE49-F238E27FC236}">
+                <a16:creationId xmlns:a16="http://schemas.microsoft.com/office/drawing/2014/main" id="{F72D3885-72C6-EA48-9111-A8FE30B732ED}"/>
+              </a:ext>
+            </a:extLst>
+          </p:cNvPr>
+          <p:cNvGrpSpPr/>
+          <p:nvPr/>
+        </p:nvGrpSpPr>
+        <p:grpSpPr>
+          <a:xfrm>
+            <a:off x="5073813" y="4330614"/>
+            <a:ext cx="3382452" cy="1517455"/>
+            <a:chOff x="7595333" y="751789"/>
+            <a:chExt cx="3382452" cy="1517455"/>
+          </a:xfrm>
+        </p:grpSpPr>
+        <p:sp>
+          <p:nvSpPr>
+            <p:cNvPr id="18" name="Rectangle 17">
+              <a:extLst>
+                <a:ext uri="{FF2B5EF4-FFF2-40B4-BE49-F238E27FC236}">
+                  <a16:creationId xmlns:a16="http://schemas.microsoft.com/office/drawing/2014/main" id="{C808941E-6BAA-2943-8776-0B087B9276F5}"/>
+                </a:ext>
+              </a:extLst>
+            </p:cNvPr>
+            <p:cNvSpPr/>
+            <p:nvPr/>
+          </p:nvSpPr>
+          <p:spPr>
+            <a:xfrm>
+              <a:off x="7971348" y="1188589"/>
+              <a:ext cx="3006437" cy="1080655"/>
+            </a:xfrm>
+            <a:prstGeom prst="rect">
+              <a:avLst/>
+            </a:prstGeom>
+            <a:noFill/>
+            <a:ln>
+              <a:solidFill>
+                <a:schemeClr val="tx1"/>
+              </a:solidFill>
+            </a:ln>
+          </p:spPr>
+          <p:style>
+            <a:lnRef idx="2">
+              <a:schemeClr val="accent6"/>
+            </a:lnRef>
+            <a:fillRef idx="1">
+              <a:schemeClr val="lt1"/>
+            </a:fillRef>
+            <a:effectRef idx="0">
+              <a:schemeClr val="accent6"/>
+            </a:effectRef>
+            <a:fontRef idx="minor">
+              <a:schemeClr val="dk1"/>
+            </a:fontRef>
+          </p:style>
+          <p:txBody>
+            <a:bodyPr rtlCol="0" anchor="ctr"/>
+            <a:lstStyle/>
+            <a:p>
+              <a:r>
+                <a:rPr lang="en-CA" dirty="0" err="1"/>
+                <a:t>BankAccount</a:t>
+              </a:r>
+              <a:endParaRPr lang="en-CA" dirty="0"/>
+            </a:p>
+            <a:p>
+              <a:r>
+                <a:rPr lang="en-CA" dirty="0"/>
+                <a:t>balance</a:t>
+              </a:r>
+              <a:r>
+                <a:rPr lang="en-US" dirty="0"/>
+                <a:t> = 60.00</a:t>
+              </a:r>
+            </a:p>
+            <a:p>
+              <a:r>
+                <a:rPr lang="en-CA" dirty="0" err="1"/>
+                <a:t>overdraftAmount</a:t>
+              </a:r>
+              <a:r>
+                <a:rPr lang="en-CA" dirty="0"/>
+                <a:t> = 100.00</a:t>
+              </a:r>
+            </a:p>
+          </p:txBody>
+        </p:sp>
+        <p:sp>
+          <p:nvSpPr>
+            <p:cNvPr id="19" name="TextBox 18">
+              <a:extLst>
+                <a:ext uri="{FF2B5EF4-FFF2-40B4-BE49-F238E27FC236}">
+                  <a16:creationId xmlns:a16="http://schemas.microsoft.com/office/drawing/2014/main" id="{1F48F630-78D0-964B-91D5-1AF67B99ECF9}"/>
+                </a:ext>
+              </a:extLst>
+            </p:cNvPr>
+            <p:cNvSpPr txBox="1"/>
+            <p:nvPr/>
+          </p:nvSpPr>
+          <p:spPr>
+            <a:xfrm>
+              <a:off x="7971348" y="751789"/>
+              <a:ext cx="2374111" cy="369332"/>
+            </a:xfrm>
+            <a:prstGeom prst="rect">
+              <a:avLst/>
+            </a:prstGeom>
+            <a:noFill/>
+          </p:spPr>
+          <p:txBody>
+            <a:bodyPr wrap="none" rtlCol="0">
+              <a:spAutoFit/>
+            </a:bodyPr>
+            <a:lstStyle/>
+            <a:p>
+              <a:r>
+                <a:rPr lang="en-CA" dirty="0"/>
+                <a:t>Memory Address: 1056</a:t>
+              </a:r>
+              <a:endParaRPr lang="en-US" dirty="0"/>
+            </a:p>
+          </p:txBody>
+        </p:sp>
+        <p:sp>
+          <p:nvSpPr>
+            <p:cNvPr id="20" name="TextBox 19">
+              <a:extLst>
+                <a:ext uri="{FF2B5EF4-FFF2-40B4-BE49-F238E27FC236}">
+                  <a16:creationId xmlns:a16="http://schemas.microsoft.com/office/drawing/2014/main" id="{8F48A8A4-F063-9F48-92AA-253F07C9E066}"/>
+                </a:ext>
+              </a:extLst>
+            </p:cNvPr>
+            <p:cNvSpPr txBox="1"/>
+            <p:nvPr/>
+          </p:nvSpPr>
+          <p:spPr>
+            <a:xfrm>
+              <a:off x="7595333" y="1188589"/>
+              <a:ext cx="423514" cy="369332"/>
+            </a:xfrm>
+            <a:prstGeom prst="rect">
+              <a:avLst/>
+            </a:prstGeom>
+            <a:noFill/>
+          </p:spPr>
+          <p:txBody>
+            <a:bodyPr wrap="none" rtlCol="0">
+              <a:spAutoFit/>
+            </a:bodyPr>
+            <a:lstStyle/>
+            <a:p>
+              <a:r>
+                <a:rPr lang="en-CA" dirty="0"/>
+                <a:t>b2</a:t>
+              </a:r>
+              <a:endParaRPr lang="en-US" dirty="0"/>
+            </a:p>
+          </p:txBody>
+        </p:sp>
+      </p:grpSp>
+      <p:sp>
+        <p:nvSpPr>
+          <p:cNvPr id="21" name="U-Turn Arrow 20">
+            <a:extLst>
+              <a:ext uri="{FF2B5EF4-FFF2-40B4-BE49-F238E27FC236}">
+                <a16:creationId xmlns:a16="http://schemas.microsoft.com/office/drawing/2014/main" id="{5ADFD651-B776-8B45-8F35-19A6D751E193}"/>
+              </a:ext>
+            </a:extLst>
+          </p:cNvPr>
+          <p:cNvSpPr/>
+          <p:nvPr/>
+        </p:nvSpPr>
+        <p:spPr>
+          <a:xfrm rot="5400000">
+            <a:off x="7973117" y="3608670"/>
+            <a:ext cx="2722546" cy="1756253"/>
+          </a:xfrm>
+          <a:prstGeom prst="uturnArrow">
+            <a:avLst>
+              <a:gd name="adj1" fmla="val 22633"/>
+              <a:gd name="adj2" fmla="val 25000"/>
+              <a:gd name="adj3" fmla="val 33678"/>
+              <a:gd name="adj4" fmla="val 41322"/>
+              <a:gd name="adj5" fmla="val 100000"/>
+            </a:avLst>
+          </a:prstGeom>
+        </p:spPr>
+        <p:style>
+          <a:lnRef idx="2">
+            <a:schemeClr val="accent1">
+              <a:shade val="50000"/>
+            </a:schemeClr>
+          </a:lnRef>
+          <a:fillRef idx="1">
+            <a:schemeClr val="accent1"/>
+          </a:fillRef>
+          <a:effectRef idx="0">
+            <a:schemeClr val="accent1"/>
+          </a:effectRef>
+          <a:fontRef idx="minor">
+            <a:schemeClr val="lt1"/>
+          </a:fontRef>
+        </p:style>
+        <p:txBody>
+          <a:bodyPr rtlCol="0" anchor="ctr"/>
+          <a:lstStyle/>
+          <a:p>
+            <a:pPr algn="ctr"/>
+            <a:endParaRPr lang="en-US">
+              <a:solidFill>
+                <a:schemeClr val="tx1"/>
+              </a:solidFill>
+            </a:endParaRPr>
+          </a:p>
+        </p:txBody>
+      </p:sp>
+      <p:sp>
+        <p:nvSpPr>
+          <p:cNvPr id="22" name="TextBox 21">
+            <a:extLst>
+              <a:ext uri="{FF2B5EF4-FFF2-40B4-BE49-F238E27FC236}">
+                <a16:creationId xmlns:a16="http://schemas.microsoft.com/office/drawing/2014/main" id="{E3B41D7B-8FB3-7A48-AADD-9F9A70E92E4D}"/>
+              </a:ext>
+            </a:extLst>
+          </p:cNvPr>
+          <p:cNvSpPr txBox="1"/>
+          <p:nvPr/>
+        </p:nvSpPr>
+        <p:spPr>
+          <a:xfrm>
+            <a:off x="10212517" y="3868949"/>
+            <a:ext cx="1427968" cy="923330"/>
+          </a:xfrm>
+          <a:prstGeom prst="rect">
+            <a:avLst/>
+          </a:prstGeom>
+          <a:noFill/>
+        </p:spPr>
+        <p:txBody>
+          <a:bodyPr wrap="square" rtlCol="0">
+            <a:spAutoFit/>
+          </a:bodyPr>
+          <a:lstStyle/>
+          <a:p>
+            <a:r>
+              <a:rPr lang="en-CA" dirty="0"/>
+              <a:t>Make b1 same object as b2</a:t>
+            </a:r>
+          </a:p>
+        </p:txBody>
+      </p:sp>
+      <p:grpSp>
+        <p:nvGrpSpPr>
+          <p:cNvPr id="26" name="Group 25">
+            <a:extLst>
+              <a:ext uri="{FF2B5EF4-FFF2-40B4-BE49-F238E27FC236}">
+                <a16:creationId xmlns:a16="http://schemas.microsoft.com/office/drawing/2014/main" id="{72A2ECF8-C866-3045-9FC1-9AD684554069}"/>
+              </a:ext>
+            </a:extLst>
+          </p:cNvPr>
+          <p:cNvGrpSpPr/>
+          <p:nvPr/>
+        </p:nvGrpSpPr>
+        <p:grpSpPr>
+          <a:xfrm>
+            <a:off x="8182587" y="258385"/>
+            <a:ext cx="3457898" cy="1517455"/>
+            <a:chOff x="8182587" y="258385"/>
+            <a:chExt cx="3457898" cy="1517455"/>
+          </a:xfrm>
+        </p:grpSpPr>
+        <p:sp>
+          <p:nvSpPr>
+            <p:cNvPr id="23" name="Rectangle 22">
+              <a:extLst>
+                <a:ext uri="{FF2B5EF4-FFF2-40B4-BE49-F238E27FC236}">
+                  <a16:creationId xmlns:a16="http://schemas.microsoft.com/office/drawing/2014/main" id="{532ABC8F-3C07-0B4D-AC3B-BA89BD90A9A9}"/>
+                </a:ext>
+              </a:extLst>
+            </p:cNvPr>
+            <p:cNvSpPr/>
+            <p:nvPr/>
+          </p:nvSpPr>
+          <p:spPr>
+            <a:xfrm>
+              <a:off x="8634048" y="695185"/>
+              <a:ext cx="3006437" cy="1080655"/>
+            </a:xfrm>
+            <a:prstGeom prst="rect">
+              <a:avLst/>
+            </a:prstGeom>
+            <a:noFill/>
+            <a:ln>
+              <a:solidFill>
+                <a:schemeClr val="tx1"/>
+              </a:solidFill>
+            </a:ln>
+          </p:spPr>
+          <p:style>
+            <a:lnRef idx="2">
+              <a:schemeClr val="accent6"/>
+            </a:lnRef>
+            <a:fillRef idx="1">
+              <a:schemeClr val="lt1"/>
+            </a:fillRef>
+            <a:effectRef idx="0">
+              <a:schemeClr val="accent6"/>
+            </a:effectRef>
+            <a:fontRef idx="minor">
+              <a:schemeClr val="dk1"/>
+            </a:fontRef>
+          </p:style>
+          <p:txBody>
+            <a:bodyPr rtlCol="0" anchor="ctr"/>
+            <a:lstStyle/>
+            <a:p>
+              <a:r>
+                <a:rPr lang="en-CA" dirty="0" err="1"/>
+                <a:t>BankAccount</a:t>
+              </a:r>
+              <a:endParaRPr lang="en-CA" dirty="0"/>
+            </a:p>
+            <a:p>
+              <a:r>
+                <a:rPr lang="en-CA" dirty="0"/>
+                <a:t>balance</a:t>
+              </a:r>
+              <a:r>
+                <a:rPr lang="en-US" dirty="0"/>
+                <a:t> = 8.00</a:t>
+              </a:r>
+            </a:p>
+            <a:p>
+              <a:r>
+                <a:rPr lang="en-CA" dirty="0" err="1"/>
+                <a:t>overdraftAmount</a:t>
+              </a:r>
+              <a:r>
+                <a:rPr lang="en-CA" dirty="0"/>
+                <a:t> = 100.00</a:t>
+              </a:r>
+            </a:p>
+          </p:txBody>
+        </p:sp>
+        <p:sp>
+          <p:nvSpPr>
+            <p:cNvPr id="24" name="TextBox 23">
+              <a:extLst>
+                <a:ext uri="{FF2B5EF4-FFF2-40B4-BE49-F238E27FC236}">
+                  <a16:creationId xmlns:a16="http://schemas.microsoft.com/office/drawing/2014/main" id="{453AFC1B-7D55-6349-BF23-83A8B36DF893}"/>
+                </a:ext>
+              </a:extLst>
+            </p:cNvPr>
+            <p:cNvSpPr txBox="1"/>
+            <p:nvPr/>
+          </p:nvSpPr>
+          <p:spPr>
+            <a:xfrm>
+              <a:off x="8634048" y="258385"/>
+              <a:ext cx="2374111" cy="369332"/>
+            </a:xfrm>
+            <a:prstGeom prst="rect">
+              <a:avLst/>
+            </a:prstGeom>
+            <a:noFill/>
+          </p:spPr>
+          <p:txBody>
+            <a:bodyPr wrap="none" rtlCol="0">
+              <a:spAutoFit/>
+            </a:bodyPr>
+            <a:lstStyle/>
+            <a:p>
+              <a:r>
+                <a:rPr lang="en-CA" dirty="0"/>
+                <a:t>Memory Address: 3724</a:t>
+              </a:r>
+              <a:endParaRPr lang="en-US" dirty="0"/>
+            </a:p>
+          </p:txBody>
+        </p:sp>
+        <p:sp>
+          <p:nvSpPr>
+            <p:cNvPr id="25" name="TextBox 24">
+              <a:extLst>
+                <a:ext uri="{FF2B5EF4-FFF2-40B4-BE49-F238E27FC236}">
+                  <a16:creationId xmlns:a16="http://schemas.microsoft.com/office/drawing/2014/main" id="{59047CD4-8F79-8048-A884-4431AF5C51DD}"/>
+                </a:ext>
+              </a:extLst>
+            </p:cNvPr>
+            <p:cNvSpPr txBox="1"/>
+            <p:nvPr/>
+          </p:nvSpPr>
+          <p:spPr>
+            <a:xfrm>
+              <a:off x="8182587" y="627717"/>
+              <a:ext cx="423514" cy="369332"/>
+            </a:xfrm>
+            <a:prstGeom prst="rect">
+              <a:avLst/>
+            </a:prstGeom>
+            <a:noFill/>
+          </p:spPr>
+          <p:txBody>
+            <a:bodyPr wrap="none" rtlCol="0">
+              <a:spAutoFit/>
+            </a:bodyPr>
+            <a:lstStyle/>
+            <a:p>
+              <a:r>
+                <a:rPr lang="en-CA" dirty="0"/>
+                <a:t>b3</a:t>
+              </a:r>
+              <a:endParaRPr lang="en-US" dirty="0"/>
+            </a:p>
+          </p:txBody>
+        </p:sp>
+      </p:grpSp>
+      <p:sp>
+        <p:nvSpPr>
+          <p:cNvPr id="27" name="TextBox 26">
+            <a:extLst>
+              <a:ext uri="{FF2B5EF4-FFF2-40B4-BE49-F238E27FC236}">
+                <a16:creationId xmlns:a16="http://schemas.microsoft.com/office/drawing/2014/main" id="{E0855648-FFF8-B443-B8B1-9218C4A43F91}"/>
+              </a:ext>
+            </a:extLst>
+          </p:cNvPr>
+          <p:cNvSpPr txBox="1"/>
+          <p:nvPr/>
+        </p:nvSpPr>
+        <p:spPr>
+          <a:xfrm>
+            <a:off x="8413982" y="2756192"/>
+            <a:ext cx="2454839" cy="369332"/>
+          </a:xfrm>
+          <a:prstGeom prst="rect">
+            <a:avLst/>
+          </a:prstGeom>
+          <a:noFill/>
+        </p:spPr>
+        <p:txBody>
+          <a:bodyPr wrap="none" rtlCol="0">
+            <a:spAutoFit/>
+          </a:bodyPr>
+          <a:lstStyle/>
+          <a:p>
+            <a:r>
+              <a:rPr lang="en-CA" dirty="0"/>
+              <a:t>Keep old b1 information</a:t>
+            </a:r>
+            <a:endParaRPr lang="en-US" dirty="0"/>
+          </a:p>
+        </p:txBody>
+      </p:sp>
+    </p:spTree>
+    <p:extLst>
+      <p:ext uri="{BB962C8B-B14F-4D97-AF65-F5344CB8AC3E}">
+        <p14:creationId xmlns:p14="http://schemas.microsoft.com/office/powerpoint/2010/main" val="747795789"/>
+      </p:ext>
+    </p:extLst>
+  </p:cSld>
+  <p:clrMapOvr>
+    <a:masterClrMapping/>
+  </p:clrMapOvr>
+</p:sld>
+</file>
+
+<file path=ppt/slides/slide6.xml><?xml version="1.0" encoding="utf-8"?>
+<p:sld xmlns:a="http://schemas.openxmlformats.org/drawingml/2006/main" xmlns:r="http://schemas.openxmlformats.org/officeDocument/2006/relationships" xmlns:p="http://schemas.openxmlformats.org/presentationml/2006/main">
+  <p:cSld>
+    <p:spTree>
+      <p:nvGrpSpPr>
+        <p:cNvPr id="1" name=""/>
+        <p:cNvGrpSpPr/>
+        <p:nvPr/>
+      </p:nvGrpSpPr>
+      <p:grpSpPr>
+        <a:xfrm>
+          <a:off x="0" y="0"/>
+          <a:ext cx="0" cy="0"/>
+          <a:chOff x="0" y="0"/>
+          <a:chExt cx="0" cy="0"/>
+        </a:xfrm>
+      </p:grpSpPr>
+      <p:sp>
+        <p:nvSpPr>
+          <p:cNvPr id="2" name="Title 1">
+            <a:extLst>
+              <a:ext uri="{FF2B5EF4-FFF2-40B4-BE49-F238E27FC236}">
+                <a16:creationId xmlns:a16="http://schemas.microsoft.com/office/drawing/2014/main" id="{CCD63E69-A6AF-7942-BE3D-717EAF86FEB1}"/>
+              </a:ext>
+            </a:extLst>
+          </p:cNvPr>
+          <p:cNvSpPr>
+            <a:spLocks noGrp="1"/>
+          </p:cNvSpPr>
+          <p:nvPr>
+            <p:ph type="title"/>
+          </p:nvPr>
+        </p:nvSpPr>
+        <p:spPr/>
+        <p:txBody>
+          <a:bodyPr/>
+          <a:lstStyle/>
+          <a:p>
+            <a:r>
+              <a:rPr lang="en-CA" dirty="0"/>
+              <a:t>Changing b2 information</a:t>
+            </a:r>
+            <a:endParaRPr lang="en-US" dirty="0"/>
+          </a:p>
+        </p:txBody>
+      </p:sp>
+      <p:sp>
+        <p:nvSpPr>
+          <p:cNvPr id="3" name="Content Placeholder 2">
+            <a:extLst>
+              <a:ext uri="{FF2B5EF4-FFF2-40B4-BE49-F238E27FC236}">
+                <a16:creationId xmlns:a16="http://schemas.microsoft.com/office/drawing/2014/main" id="{0CEF4931-6D18-6C48-A9E3-137EFC3E15D7}"/>
+              </a:ext>
+            </a:extLst>
+          </p:cNvPr>
+          <p:cNvSpPr>
+            <a:spLocks noGrp="1"/>
+          </p:cNvSpPr>
+          <p:nvPr>
+            <p:ph idx="1"/>
+          </p:nvPr>
+        </p:nvSpPr>
+        <p:spPr>
+          <a:xfrm>
+            <a:off x="838200" y="1825625"/>
+            <a:ext cx="10515600" cy="4351338"/>
+          </a:xfrm>
+        </p:spPr>
+        <p:txBody>
+          <a:bodyPr/>
+          <a:lstStyle/>
+          <a:p>
+            <a:pPr marL="0" indent="0">
+              <a:buNone/>
+            </a:pPr>
+            <a:r>
+              <a:rPr lang="en-CA" dirty="0"/>
+              <a:t>b2.deposit(5.00)</a:t>
+            </a:r>
+            <a:endParaRPr lang="en-US" dirty="0"/>
+          </a:p>
+        </p:txBody>
+      </p:sp>
+      <p:grpSp>
+        <p:nvGrpSpPr>
+          <p:cNvPr id="33" name="Group 32">
+            <a:extLst>
+              <a:ext uri="{FF2B5EF4-FFF2-40B4-BE49-F238E27FC236}">
+                <a16:creationId xmlns:a16="http://schemas.microsoft.com/office/drawing/2014/main" id="{9D15ED66-287A-6349-9E0E-24C29604FBB8}"/>
+              </a:ext>
+            </a:extLst>
+          </p:cNvPr>
+          <p:cNvGrpSpPr/>
+          <p:nvPr/>
+        </p:nvGrpSpPr>
+        <p:grpSpPr>
+          <a:xfrm>
+            <a:off x="551515" y="2386860"/>
+            <a:ext cx="3491821" cy="1449987"/>
+            <a:chOff x="8511201" y="1870105"/>
+            <a:chExt cx="3491821" cy="1449987"/>
+          </a:xfrm>
+        </p:grpSpPr>
+        <p:sp>
+          <p:nvSpPr>
+            <p:cNvPr id="34" name="Rectangle 33">
+              <a:extLst>
+                <a:ext uri="{FF2B5EF4-FFF2-40B4-BE49-F238E27FC236}">
+                  <a16:creationId xmlns:a16="http://schemas.microsoft.com/office/drawing/2014/main" id="{EE97A931-E390-4446-B59E-9C58CD0982B6}"/>
+                </a:ext>
+              </a:extLst>
+            </p:cNvPr>
+            <p:cNvSpPr/>
+            <p:nvPr/>
+          </p:nvSpPr>
+          <p:spPr>
+            <a:xfrm>
+              <a:off x="8996585" y="2239437"/>
+              <a:ext cx="3006437" cy="1080655"/>
+            </a:xfrm>
+            <a:prstGeom prst="rect">
+              <a:avLst/>
+            </a:prstGeom>
+            <a:noFill/>
+            <a:ln>
+              <a:solidFill>
+                <a:schemeClr val="tx1"/>
+              </a:solidFill>
+            </a:ln>
+          </p:spPr>
+          <p:style>
+            <a:lnRef idx="2">
+              <a:schemeClr val="accent6"/>
+            </a:lnRef>
+            <a:fillRef idx="1">
+              <a:schemeClr val="lt1"/>
+            </a:fillRef>
+            <a:effectRef idx="0">
+              <a:schemeClr val="accent6"/>
+            </a:effectRef>
+            <a:fontRef idx="minor">
+              <a:schemeClr val="dk1"/>
+            </a:fontRef>
+          </p:style>
+          <p:txBody>
+            <a:bodyPr rtlCol="0" anchor="ctr"/>
+            <a:lstStyle/>
+            <a:p>
+              <a:r>
+                <a:rPr lang="en-CA" dirty="0" err="1"/>
+                <a:t>BankAccount</a:t>
+              </a:r>
+              <a:endParaRPr lang="en-CA" dirty="0"/>
+            </a:p>
+            <a:p>
+              <a:r>
+                <a:rPr lang="en-CA" dirty="0"/>
+                <a:t>balance</a:t>
+              </a:r>
+              <a:r>
+                <a:rPr lang="en-US" dirty="0"/>
+                <a:t> = 0.0</a:t>
+              </a:r>
+            </a:p>
+            <a:p>
+              <a:r>
+                <a:rPr lang="en-CA" dirty="0" err="1"/>
+                <a:t>overdraftAmount</a:t>
+              </a:r>
+              <a:r>
+                <a:rPr lang="en-CA" dirty="0"/>
+                <a:t> = 100.00</a:t>
+              </a:r>
+            </a:p>
+          </p:txBody>
+        </p:sp>
+        <p:sp>
+          <p:nvSpPr>
+            <p:cNvPr id="35" name="TextBox 34">
+              <a:extLst>
+                <a:ext uri="{FF2B5EF4-FFF2-40B4-BE49-F238E27FC236}">
+                  <a16:creationId xmlns:a16="http://schemas.microsoft.com/office/drawing/2014/main" id="{B92614C0-122E-004E-8DCF-106E9827B9AB}"/>
+                </a:ext>
+              </a:extLst>
+            </p:cNvPr>
+            <p:cNvSpPr txBox="1"/>
+            <p:nvPr/>
+          </p:nvSpPr>
+          <p:spPr>
+            <a:xfrm>
+              <a:off x="8996585" y="1870105"/>
+              <a:ext cx="2374111" cy="369332"/>
+            </a:xfrm>
+            <a:prstGeom prst="rect">
+              <a:avLst/>
+            </a:prstGeom>
+            <a:noFill/>
+          </p:spPr>
+          <p:txBody>
+            <a:bodyPr wrap="none" rtlCol="0">
+              <a:spAutoFit/>
+            </a:bodyPr>
+            <a:lstStyle/>
+            <a:p>
+              <a:r>
+                <a:rPr lang="en-CA" dirty="0"/>
+                <a:t>Memory Address: 1056</a:t>
+              </a:r>
+            </a:p>
+          </p:txBody>
+        </p:sp>
+        <p:sp>
+          <p:nvSpPr>
+            <p:cNvPr id="36" name="TextBox 35">
+              <a:extLst>
+                <a:ext uri="{FF2B5EF4-FFF2-40B4-BE49-F238E27FC236}">
+                  <a16:creationId xmlns:a16="http://schemas.microsoft.com/office/drawing/2014/main" id="{7BC306F4-B750-5041-BEB4-48EA5E32D591}"/>
+                </a:ext>
+              </a:extLst>
+            </p:cNvPr>
+            <p:cNvSpPr txBox="1"/>
+            <p:nvPr/>
+          </p:nvSpPr>
+          <p:spPr>
+            <a:xfrm>
+              <a:off x="8511201" y="2239437"/>
+              <a:ext cx="423514" cy="369332"/>
+            </a:xfrm>
+            <a:prstGeom prst="rect">
+              <a:avLst/>
+            </a:prstGeom>
+            <a:noFill/>
+          </p:spPr>
+          <p:txBody>
+            <a:bodyPr wrap="none" rtlCol="0">
+              <a:spAutoFit/>
+            </a:bodyPr>
+            <a:lstStyle/>
+            <a:p>
+              <a:r>
+                <a:rPr lang="en-CA" dirty="0"/>
+                <a:t>b1</a:t>
+              </a:r>
+              <a:endParaRPr lang="en-US" dirty="0"/>
+            </a:p>
+          </p:txBody>
+        </p:sp>
+      </p:grpSp>
+      <p:grpSp>
+        <p:nvGrpSpPr>
+          <p:cNvPr id="37" name="Group 36">
+            <a:extLst>
+              <a:ext uri="{FF2B5EF4-FFF2-40B4-BE49-F238E27FC236}">
+                <a16:creationId xmlns:a16="http://schemas.microsoft.com/office/drawing/2014/main" id="{E8610223-9F9B-9E45-A134-891DBFE51216}"/>
+              </a:ext>
+            </a:extLst>
+          </p:cNvPr>
+          <p:cNvGrpSpPr/>
+          <p:nvPr/>
+        </p:nvGrpSpPr>
+        <p:grpSpPr>
+          <a:xfrm>
+            <a:off x="660884" y="4330614"/>
+            <a:ext cx="3382452" cy="1517455"/>
+            <a:chOff x="7595333" y="751789"/>
+            <a:chExt cx="3382452" cy="1517455"/>
+          </a:xfrm>
+        </p:grpSpPr>
+        <p:sp>
+          <p:nvSpPr>
+            <p:cNvPr id="38" name="Rectangle 37">
+              <a:extLst>
+                <a:ext uri="{FF2B5EF4-FFF2-40B4-BE49-F238E27FC236}">
+                  <a16:creationId xmlns:a16="http://schemas.microsoft.com/office/drawing/2014/main" id="{5B277E3E-F26E-0A43-9CD6-E1C175819F99}"/>
+                </a:ext>
+              </a:extLst>
+            </p:cNvPr>
+            <p:cNvSpPr/>
+            <p:nvPr/>
+          </p:nvSpPr>
+          <p:spPr>
+            <a:xfrm>
+              <a:off x="7971348" y="1188589"/>
+              <a:ext cx="3006437" cy="1080655"/>
+            </a:xfrm>
+            <a:prstGeom prst="rect">
+              <a:avLst/>
+            </a:prstGeom>
+            <a:noFill/>
+            <a:ln>
+              <a:solidFill>
+                <a:schemeClr val="tx1"/>
+              </a:solidFill>
+            </a:ln>
+          </p:spPr>
+          <p:style>
+            <a:lnRef idx="2">
+              <a:schemeClr val="accent6"/>
+            </a:lnRef>
+            <a:fillRef idx="1">
+              <a:schemeClr val="lt1"/>
+            </a:fillRef>
+            <a:effectRef idx="0">
+              <a:schemeClr val="accent6"/>
+            </a:effectRef>
+            <a:fontRef idx="minor">
+              <a:schemeClr val="dk1"/>
+            </a:fontRef>
+          </p:style>
+          <p:txBody>
+            <a:bodyPr rtlCol="0" anchor="ctr"/>
+            <a:lstStyle/>
+            <a:p>
+              <a:r>
+                <a:rPr lang="en-CA" dirty="0" err="1"/>
+                <a:t>BankAccount</a:t>
+              </a:r>
+              <a:endParaRPr lang="en-CA" dirty="0"/>
+            </a:p>
+            <a:p>
+              <a:r>
+                <a:rPr lang="en-CA" dirty="0"/>
+                <a:t>balance</a:t>
+              </a:r>
+              <a:r>
+                <a:rPr lang="en-US" dirty="0"/>
+                <a:t> = 60.00</a:t>
+              </a:r>
+            </a:p>
+            <a:p>
+              <a:r>
+                <a:rPr lang="en-CA" dirty="0" err="1"/>
+                <a:t>overdraftAmount</a:t>
+              </a:r>
+              <a:r>
+                <a:rPr lang="en-CA" dirty="0"/>
+                <a:t> = 100.00</a:t>
+              </a:r>
+            </a:p>
+          </p:txBody>
+        </p:sp>
+        <p:sp>
+          <p:nvSpPr>
+            <p:cNvPr id="39" name="TextBox 38">
+              <a:extLst>
+                <a:ext uri="{FF2B5EF4-FFF2-40B4-BE49-F238E27FC236}">
+                  <a16:creationId xmlns:a16="http://schemas.microsoft.com/office/drawing/2014/main" id="{54A09004-E3A5-0D42-A7DC-E7042BFDC0E7}"/>
+                </a:ext>
+              </a:extLst>
+            </p:cNvPr>
+            <p:cNvSpPr txBox="1"/>
+            <p:nvPr/>
+          </p:nvSpPr>
+          <p:spPr>
+            <a:xfrm>
+              <a:off x="7971348" y="751789"/>
+              <a:ext cx="2374111" cy="369332"/>
+            </a:xfrm>
+            <a:prstGeom prst="rect">
+              <a:avLst/>
+            </a:prstGeom>
+            <a:noFill/>
+          </p:spPr>
+          <p:txBody>
+            <a:bodyPr wrap="none" rtlCol="0">
+              <a:spAutoFit/>
+            </a:bodyPr>
+            <a:lstStyle/>
+            <a:p>
+              <a:r>
+                <a:rPr lang="en-CA" dirty="0"/>
+                <a:t>Memory Address: 1056</a:t>
+              </a:r>
+              <a:endParaRPr lang="en-US" dirty="0"/>
+            </a:p>
+          </p:txBody>
+        </p:sp>
+        <p:sp>
+          <p:nvSpPr>
+            <p:cNvPr id="40" name="TextBox 39">
+              <a:extLst>
+                <a:ext uri="{FF2B5EF4-FFF2-40B4-BE49-F238E27FC236}">
+                  <a16:creationId xmlns:a16="http://schemas.microsoft.com/office/drawing/2014/main" id="{D039BEE7-2BDC-7646-B0C9-AD9BA93FB5BA}"/>
+                </a:ext>
+              </a:extLst>
+            </p:cNvPr>
+            <p:cNvSpPr txBox="1"/>
+            <p:nvPr/>
+          </p:nvSpPr>
+          <p:spPr>
+            <a:xfrm>
+              <a:off x="7595333" y="1188589"/>
+              <a:ext cx="423514" cy="369332"/>
+            </a:xfrm>
+            <a:prstGeom prst="rect">
+              <a:avLst/>
+            </a:prstGeom>
+            <a:noFill/>
+          </p:spPr>
+          <p:txBody>
+            <a:bodyPr wrap="none" rtlCol="0">
+              <a:spAutoFit/>
+            </a:bodyPr>
+            <a:lstStyle/>
+            <a:p>
+              <a:r>
+                <a:rPr lang="en-CA" dirty="0"/>
+                <a:t>b2</a:t>
+              </a:r>
+              <a:endParaRPr lang="en-US" dirty="0"/>
+            </a:p>
+          </p:txBody>
+        </p:sp>
+      </p:grpSp>
+      <p:sp>
+        <p:nvSpPr>
+          <p:cNvPr id="41" name="U-Turn Arrow 40">
+            <a:extLst>
+              <a:ext uri="{FF2B5EF4-FFF2-40B4-BE49-F238E27FC236}">
+                <a16:creationId xmlns:a16="http://schemas.microsoft.com/office/drawing/2014/main" id="{55C1D239-1439-784D-BEE1-13F8320DA971}"/>
+              </a:ext>
+            </a:extLst>
+          </p:cNvPr>
+          <p:cNvSpPr/>
+          <p:nvPr/>
+        </p:nvSpPr>
+        <p:spPr>
+          <a:xfrm rot="5400000">
+            <a:off x="3560188" y="3608670"/>
+            <a:ext cx="2722546" cy="1756253"/>
+          </a:xfrm>
+          <a:prstGeom prst="uturnArrow">
+            <a:avLst>
+              <a:gd name="adj1" fmla="val 22633"/>
+              <a:gd name="adj2" fmla="val 25000"/>
+              <a:gd name="adj3" fmla="val 33678"/>
+              <a:gd name="adj4" fmla="val 41322"/>
+              <a:gd name="adj5" fmla="val 100000"/>
+            </a:avLst>
+          </a:prstGeom>
+        </p:spPr>
+        <p:style>
+          <a:lnRef idx="2">
+            <a:schemeClr val="accent1">
+              <a:shade val="50000"/>
+            </a:schemeClr>
+          </a:lnRef>
+          <a:fillRef idx="1">
+            <a:schemeClr val="accent1"/>
+          </a:fillRef>
+          <a:effectRef idx="0">
+            <a:schemeClr val="accent1"/>
+          </a:effectRef>
+          <a:fontRef idx="minor">
+            <a:schemeClr val="lt1"/>
+          </a:fontRef>
+        </p:style>
+        <p:txBody>
+          <a:bodyPr rtlCol="0" anchor="ctr"/>
+          <a:lstStyle/>
+          <a:p>
+            <a:pPr algn="ctr"/>
+            <a:endParaRPr lang="en-US">
+              <a:solidFill>
+                <a:schemeClr val="tx1"/>
+              </a:solidFill>
+            </a:endParaRPr>
+          </a:p>
+        </p:txBody>
+      </p:sp>
+      <p:grpSp>
+        <p:nvGrpSpPr>
+          <p:cNvPr id="43" name="Group 42">
+            <a:extLst>
+              <a:ext uri="{FF2B5EF4-FFF2-40B4-BE49-F238E27FC236}">
+                <a16:creationId xmlns:a16="http://schemas.microsoft.com/office/drawing/2014/main" id="{CA4DEF78-10CE-C94D-A7FC-1A9245B136AA}"/>
+              </a:ext>
+            </a:extLst>
+          </p:cNvPr>
+          <p:cNvGrpSpPr/>
+          <p:nvPr/>
+        </p:nvGrpSpPr>
+        <p:grpSpPr>
+          <a:xfrm>
+            <a:off x="8182587" y="258385"/>
+            <a:ext cx="3457898" cy="1517455"/>
+            <a:chOff x="8182587" y="258385"/>
+            <a:chExt cx="3457898" cy="1517455"/>
+          </a:xfrm>
+        </p:grpSpPr>
+        <p:sp>
+          <p:nvSpPr>
+            <p:cNvPr id="44" name="Rectangle 43">
+              <a:extLst>
+                <a:ext uri="{FF2B5EF4-FFF2-40B4-BE49-F238E27FC236}">
+                  <a16:creationId xmlns:a16="http://schemas.microsoft.com/office/drawing/2014/main" id="{790DF526-C5F0-FD4E-970C-0A307FB9CA30}"/>
+                </a:ext>
+              </a:extLst>
+            </p:cNvPr>
+            <p:cNvSpPr/>
+            <p:nvPr/>
+          </p:nvSpPr>
+          <p:spPr>
+            <a:xfrm>
+              <a:off x="8634048" y="695185"/>
+              <a:ext cx="3006437" cy="1080655"/>
+            </a:xfrm>
+            <a:prstGeom prst="rect">
+              <a:avLst/>
+            </a:prstGeom>
+            <a:noFill/>
+            <a:ln>
+              <a:solidFill>
+                <a:schemeClr val="tx1"/>
+              </a:solidFill>
+            </a:ln>
+          </p:spPr>
+          <p:style>
+            <a:lnRef idx="2">
+              <a:schemeClr val="accent6"/>
+            </a:lnRef>
+            <a:fillRef idx="1">
+              <a:schemeClr val="lt1"/>
+            </a:fillRef>
+            <a:effectRef idx="0">
+              <a:schemeClr val="accent6"/>
+            </a:effectRef>
+            <a:fontRef idx="minor">
+              <a:schemeClr val="dk1"/>
+            </a:fontRef>
+          </p:style>
+          <p:txBody>
+            <a:bodyPr rtlCol="0" anchor="ctr"/>
+            <a:lstStyle/>
+            <a:p>
+              <a:r>
+                <a:rPr lang="en-CA" dirty="0" err="1"/>
+                <a:t>BankAccount</a:t>
+              </a:r>
+              <a:endParaRPr lang="en-CA" dirty="0"/>
+            </a:p>
+            <a:p>
+              <a:r>
+                <a:rPr lang="en-CA" dirty="0"/>
+                <a:t>balance</a:t>
+              </a:r>
+              <a:r>
+                <a:rPr lang="en-US" dirty="0"/>
+                <a:t> = 8.00</a:t>
+              </a:r>
+            </a:p>
+            <a:p>
+              <a:r>
+                <a:rPr lang="en-CA" dirty="0" err="1"/>
+                <a:t>overdraftAmount</a:t>
+              </a:r>
+              <a:r>
+                <a:rPr lang="en-CA" dirty="0"/>
+                <a:t> = 100.00</a:t>
+              </a:r>
+            </a:p>
+          </p:txBody>
+        </p:sp>
+        <p:sp>
+          <p:nvSpPr>
+            <p:cNvPr id="45" name="TextBox 44">
+              <a:extLst>
+                <a:ext uri="{FF2B5EF4-FFF2-40B4-BE49-F238E27FC236}">
+                  <a16:creationId xmlns:a16="http://schemas.microsoft.com/office/drawing/2014/main" id="{FC8C63D3-38E1-A249-9430-DF95108241FC}"/>
+                </a:ext>
+              </a:extLst>
+            </p:cNvPr>
+            <p:cNvSpPr txBox="1"/>
+            <p:nvPr/>
+          </p:nvSpPr>
+          <p:spPr>
+            <a:xfrm>
+              <a:off x="8634048" y="258385"/>
+              <a:ext cx="2374111" cy="369332"/>
+            </a:xfrm>
+            <a:prstGeom prst="rect">
+              <a:avLst/>
+            </a:prstGeom>
+            <a:noFill/>
+          </p:spPr>
+          <p:txBody>
+            <a:bodyPr wrap="none" rtlCol="0">
+              <a:spAutoFit/>
+            </a:bodyPr>
+            <a:lstStyle/>
+            <a:p>
+              <a:r>
+                <a:rPr lang="en-CA" dirty="0"/>
+                <a:t>Memory Address: 3724</a:t>
+              </a:r>
+              <a:endParaRPr lang="en-US" dirty="0"/>
+            </a:p>
+          </p:txBody>
+        </p:sp>
+        <p:sp>
+          <p:nvSpPr>
+            <p:cNvPr id="46" name="TextBox 45">
+              <a:extLst>
+                <a:ext uri="{FF2B5EF4-FFF2-40B4-BE49-F238E27FC236}">
+                  <a16:creationId xmlns:a16="http://schemas.microsoft.com/office/drawing/2014/main" id="{7540A8FF-95FF-3140-8542-DEA58CD22C6B}"/>
+                </a:ext>
+              </a:extLst>
+            </p:cNvPr>
+            <p:cNvSpPr txBox="1"/>
+            <p:nvPr/>
+          </p:nvSpPr>
+          <p:spPr>
+            <a:xfrm>
+              <a:off x="8182587" y="627717"/>
+              <a:ext cx="423514" cy="369332"/>
+            </a:xfrm>
+            <a:prstGeom prst="rect">
+              <a:avLst/>
+            </a:prstGeom>
+            <a:noFill/>
+          </p:spPr>
+          <p:txBody>
+            <a:bodyPr wrap="none" rtlCol="0">
+              <a:spAutoFit/>
+            </a:bodyPr>
+            <a:lstStyle/>
+            <a:p>
+              <a:r>
+                <a:rPr lang="en-CA" dirty="0"/>
+                <a:t>b3</a:t>
+              </a:r>
+              <a:endParaRPr lang="en-US" dirty="0"/>
+            </a:p>
+          </p:txBody>
+        </p:sp>
+      </p:grpSp>
+      <p:sp>
+        <p:nvSpPr>
+          <p:cNvPr id="48" name="Right Arrow 47">
+            <a:extLst>
+              <a:ext uri="{FF2B5EF4-FFF2-40B4-BE49-F238E27FC236}">
+                <a16:creationId xmlns:a16="http://schemas.microsoft.com/office/drawing/2014/main" id="{54861B16-666D-5F4D-B8DA-13429686717A}"/>
+              </a:ext>
+            </a:extLst>
+          </p:cNvPr>
+          <p:cNvSpPr/>
+          <p:nvPr/>
+        </p:nvSpPr>
+        <p:spPr>
+          <a:xfrm>
+            <a:off x="4921461" y="4058080"/>
+            <a:ext cx="1579418" cy="457200"/>
+          </a:xfrm>
+          <a:prstGeom prst="rightArrow">
+            <a:avLst/>
+          </a:prstGeom>
+        </p:spPr>
+        <p:style>
+          <a:lnRef idx="2">
+            <a:schemeClr val="accent6"/>
+          </a:lnRef>
+          <a:fillRef idx="1">
+            <a:schemeClr val="lt1"/>
+          </a:fillRef>
+          <a:effectRef idx="0">
+            <a:schemeClr val="accent6"/>
+          </a:effectRef>
+          <a:fontRef idx="minor">
+            <a:schemeClr val="dk1"/>
+          </a:fontRef>
+        </p:style>
+        <p:txBody>
+          <a:bodyPr rtlCol="0" anchor="ctr"/>
+          <a:lstStyle/>
+          <a:p>
+            <a:pPr algn="ctr"/>
+            <a:r>
+              <a:rPr lang="en-CA" sz="1600" dirty="0"/>
+              <a:t>deposit(5.00)</a:t>
+            </a:r>
+            <a:endParaRPr lang="en-US" sz="1600" dirty="0"/>
+          </a:p>
+        </p:txBody>
+      </p:sp>
+      <p:grpSp>
+        <p:nvGrpSpPr>
+          <p:cNvPr id="49" name="Group 48">
+            <a:extLst>
+              <a:ext uri="{FF2B5EF4-FFF2-40B4-BE49-F238E27FC236}">
+                <a16:creationId xmlns:a16="http://schemas.microsoft.com/office/drawing/2014/main" id="{C7C6922E-5CB9-3644-BBDC-24546F186178}"/>
+              </a:ext>
+            </a:extLst>
+          </p:cNvPr>
+          <p:cNvGrpSpPr/>
+          <p:nvPr/>
+        </p:nvGrpSpPr>
+        <p:grpSpPr>
+          <a:xfrm>
+            <a:off x="6066954" y="2386860"/>
+            <a:ext cx="3491821" cy="1449987"/>
+            <a:chOff x="8511201" y="1870105"/>
+            <a:chExt cx="3491821" cy="1449987"/>
+          </a:xfrm>
+        </p:grpSpPr>
+        <p:sp>
+          <p:nvSpPr>
+            <p:cNvPr id="50" name="Rectangle 49">
+              <a:extLst>
+                <a:ext uri="{FF2B5EF4-FFF2-40B4-BE49-F238E27FC236}">
+                  <a16:creationId xmlns:a16="http://schemas.microsoft.com/office/drawing/2014/main" id="{074201F7-1AE3-2B41-9115-57ECE9F828FD}"/>
+                </a:ext>
+              </a:extLst>
+            </p:cNvPr>
+            <p:cNvSpPr/>
+            <p:nvPr/>
+          </p:nvSpPr>
+          <p:spPr>
+            <a:xfrm>
+              <a:off x="8996585" y="2239437"/>
+              <a:ext cx="3006437" cy="1080655"/>
+            </a:xfrm>
+            <a:prstGeom prst="rect">
+              <a:avLst/>
+            </a:prstGeom>
+            <a:noFill/>
+            <a:ln>
+              <a:solidFill>
+                <a:schemeClr val="tx1"/>
+              </a:solidFill>
+            </a:ln>
+          </p:spPr>
+          <p:style>
+            <a:lnRef idx="2">
+              <a:schemeClr val="accent6"/>
+            </a:lnRef>
+            <a:fillRef idx="1">
+              <a:schemeClr val="lt1"/>
+            </a:fillRef>
+            <a:effectRef idx="0">
+              <a:schemeClr val="accent6"/>
+            </a:effectRef>
+            <a:fontRef idx="minor">
+              <a:schemeClr val="dk1"/>
+            </a:fontRef>
+          </p:style>
+          <p:txBody>
+            <a:bodyPr rtlCol="0" anchor="ctr"/>
+            <a:lstStyle/>
+            <a:p>
+              <a:r>
+                <a:rPr lang="en-CA" dirty="0" err="1"/>
+                <a:t>BankAccount</a:t>
+              </a:r>
+              <a:endParaRPr lang="en-CA" dirty="0"/>
+            </a:p>
+            <a:p>
+              <a:r>
+                <a:rPr lang="en-CA" dirty="0"/>
+                <a:t>balance</a:t>
+              </a:r>
+              <a:r>
+                <a:rPr lang="en-US" dirty="0"/>
+                <a:t> = 0.0</a:t>
+              </a:r>
+            </a:p>
+            <a:p>
+              <a:r>
+                <a:rPr lang="en-CA" dirty="0" err="1"/>
+                <a:t>overdraftAmount</a:t>
+              </a:r>
+              <a:r>
+                <a:rPr lang="en-CA" dirty="0"/>
+                <a:t> = 100.00</a:t>
+              </a:r>
+            </a:p>
+          </p:txBody>
+        </p:sp>
+        <p:sp>
+          <p:nvSpPr>
+            <p:cNvPr id="51" name="TextBox 50">
+              <a:extLst>
+                <a:ext uri="{FF2B5EF4-FFF2-40B4-BE49-F238E27FC236}">
+                  <a16:creationId xmlns:a16="http://schemas.microsoft.com/office/drawing/2014/main" id="{2C07D884-77D3-7147-88BF-24CD6B6FC95F}"/>
+                </a:ext>
+              </a:extLst>
+            </p:cNvPr>
+            <p:cNvSpPr txBox="1"/>
+            <p:nvPr/>
+          </p:nvSpPr>
+          <p:spPr>
+            <a:xfrm>
+              <a:off x="8996585" y="1870105"/>
+              <a:ext cx="2374111" cy="369332"/>
+            </a:xfrm>
+            <a:prstGeom prst="rect">
+              <a:avLst/>
+            </a:prstGeom>
+            <a:noFill/>
+          </p:spPr>
+          <p:txBody>
+            <a:bodyPr wrap="none" rtlCol="0">
+              <a:spAutoFit/>
+            </a:bodyPr>
+            <a:lstStyle/>
+            <a:p>
+              <a:r>
+                <a:rPr lang="en-CA" dirty="0"/>
+                <a:t>Memory Address: 1056</a:t>
+              </a:r>
+            </a:p>
+          </p:txBody>
+        </p:sp>
+        <p:sp>
+          <p:nvSpPr>
+            <p:cNvPr id="52" name="TextBox 51">
+              <a:extLst>
+                <a:ext uri="{FF2B5EF4-FFF2-40B4-BE49-F238E27FC236}">
+                  <a16:creationId xmlns:a16="http://schemas.microsoft.com/office/drawing/2014/main" id="{C76DEFBB-EAD4-E44D-92D7-83EE1DA542C0}"/>
+                </a:ext>
+              </a:extLst>
+            </p:cNvPr>
+            <p:cNvSpPr txBox="1"/>
+            <p:nvPr/>
+          </p:nvSpPr>
+          <p:spPr>
+            <a:xfrm>
+              <a:off x="8511201" y="2239437"/>
+              <a:ext cx="423514" cy="369332"/>
+            </a:xfrm>
+            <a:prstGeom prst="rect">
+              <a:avLst/>
+            </a:prstGeom>
+            <a:noFill/>
+          </p:spPr>
+          <p:txBody>
+            <a:bodyPr wrap="none" rtlCol="0">
+              <a:spAutoFit/>
+            </a:bodyPr>
+            <a:lstStyle/>
+            <a:p>
+              <a:r>
+                <a:rPr lang="en-CA" dirty="0"/>
+                <a:t>b1</a:t>
+              </a:r>
+              <a:endParaRPr lang="en-US" dirty="0"/>
+            </a:p>
+          </p:txBody>
+        </p:sp>
+      </p:grpSp>
+      <p:grpSp>
+        <p:nvGrpSpPr>
+          <p:cNvPr id="53" name="Group 52">
+            <a:extLst>
+              <a:ext uri="{FF2B5EF4-FFF2-40B4-BE49-F238E27FC236}">
+                <a16:creationId xmlns:a16="http://schemas.microsoft.com/office/drawing/2014/main" id="{ED66BB5F-D64F-E047-BC39-0C9EBC8B5589}"/>
+              </a:ext>
+            </a:extLst>
+          </p:cNvPr>
+          <p:cNvGrpSpPr/>
+          <p:nvPr/>
+        </p:nvGrpSpPr>
+        <p:grpSpPr>
+          <a:xfrm>
+            <a:off x="6176323" y="4330614"/>
+            <a:ext cx="3382452" cy="1517455"/>
+            <a:chOff x="7595333" y="751789"/>
+            <a:chExt cx="3382452" cy="1517455"/>
+          </a:xfrm>
+        </p:grpSpPr>
+        <p:sp>
+          <p:nvSpPr>
+            <p:cNvPr id="54" name="Rectangle 53">
+              <a:extLst>
+                <a:ext uri="{FF2B5EF4-FFF2-40B4-BE49-F238E27FC236}">
+                  <a16:creationId xmlns:a16="http://schemas.microsoft.com/office/drawing/2014/main" id="{E1D4BD93-8294-FB4D-890B-AE812C32698A}"/>
+                </a:ext>
+              </a:extLst>
+            </p:cNvPr>
+            <p:cNvSpPr/>
+            <p:nvPr/>
+          </p:nvSpPr>
+          <p:spPr>
+            <a:xfrm>
+              <a:off x="7971348" y="1188589"/>
+              <a:ext cx="3006437" cy="1080655"/>
+            </a:xfrm>
+            <a:prstGeom prst="rect">
+              <a:avLst/>
+            </a:prstGeom>
+            <a:noFill/>
+            <a:ln>
+              <a:solidFill>
+                <a:schemeClr val="tx1"/>
+              </a:solidFill>
+            </a:ln>
+          </p:spPr>
+          <p:style>
+            <a:lnRef idx="2">
+              <a:schemeClr val="accent6"/>
+            </a:lnRef>
+            <a:fillRef idx="1">
+              <a:schemeClr val="lt1"/>
+            </a:fillRef>
+            <a:effectRef idx="0">
+              <a:schemeClr val="accent6"/>
+            </a:effectRef>
+            <a:fontRef idx="minor">
+              <a:schemeClr val="dk1"/>
+            </a:fontRef>
+          </p:style>
+          <p:txBody>
+            <a:bodyPr rtlCol="0" anchor="ctr"/>
+            <a:lstStyle/>
+            <a:p>
+              <a:r>
+                <a:rPr lang="en-CA" dirty="0" err="1"/>
+                <a:t>BankAccount</a:t>
+              </a:r>
+              <a:endParaRPr lang="en-CA" dirty="0"/>
+            </a:p>
+            <a:p>
+              <a:r>
+                <a:rPr lang="en-CA" dirty="0"/>
+                <a:t>balance</a:t>
+              </a:r>
+              <a:r>
+                <a:rPr lang="en-US" dirty="0"/>
+                <a:t> = 65.00</a:t>
+              </a:r>
+            </a:p>
+            <a:p>
+              <a:r>
+                <a:rPr lang="en-CA" dirty="0" err="1"/>
+                <a:t>overdraftAmount</a:t>
+              </a:r>
+              <a:r>
+                <a:rPr lang="en-CA" dirty="0"/>
+                <a:t> = 100.00</a:t>
+              </a:r>
+            </a:p>
+          </p:txBody>
+        </p:sp>
+        <p:sp>
+          <p:nvSpPr>
+            <p:cNvPr id="55" name="TextBox 54">
+              <a:extLst>
+                <a:ext uri="{FF2B5EF4-FFF2-40B4-BE49-F238E27FC236}">
+                  <a16:creationId xmlns:a16="http://schemas.microsoft.com/office/drawing/2014/main" id="{23037400-C447-2F48-90B5-D4410ED85061}"/>
+                </a:ext>
+              </a:extLst>
+            </p:cNvPr>
+            <p:cNvSpPr txBox="1"/>
+            <p:nvPr/>
+          </p:nvSpPr>
+          <p:spPr>
+            <a:xfrm>
+              <a:off x="7971348" y="751789"/>
+              <a:ext cx="2374111" cy="369332"/>
+            </a:xfrm>
+            <a:prstGeom prst="rect">
+              <a:avLst/>
+            </a:prstGeom>
+            <a:noFill/>
+          </p:spPr>
+          <p:txBody>
+            <a:bodyPr wrap="none" rtlCol="0">
+              <a:spAutoFit/>
+            </a:bodyPr>
+            <a:lstStyle/>
+            <a:p>
+              <a:r>
+                <a:rPr lang="en-CA" dirty="0"/>
+                <a:t>Memory Address: 1056</a:t>
+              </a:r>
+              <a:endParaRPr lang="en-US" dirty="0"/>
+            </a:p>
+          </p:txBody>
+        </p:sp>
+        <p:sp>
+          <p:nvSpPr>
+            <p:cNvPr id="56" name="TextBox 55">
+              <a:extLst>
+                <a:ext uri="{FF2B5EF4-FFF2-40B4-BE49-F238E27FC236}">
+                  <a16:creationId xmlns:a16="http://schemas.microsoft.com/office/drawing/2014/main" id="{6728DFB5-EB56-C643-AF57-7EFA4DF4AE73}"/>
+                </a:ext>
+              </a:extLst>
+            </p:cNvPr>
+            <p:cNvSpPr txBox="1"/>
+            <p:nvPr/>
+          </p:nvSpPr>
+          <p:spPr>
+            <a:xfrm>
+              <a:off x="7595333" y="1188589"/>
+              <a:ext cx="423514" cy="369332"/>
+            </a:xfrm>
+            <a:prstGeom prst="rect">
+              <a:avLst/>
+            </a:prstGeom>
+            <a:noFill/>
+          </p:spPr>
+          <p:txBody>
+            <a:bodyPr wrap="none" rtlCol="0">
+              <a:spAutoFit/>
+            </a:bodyPr>
+            <a:lstStyle/>
+            <a:p>
+              <a:r>
+                <a:rPr lang="en-CA" dirty="0"/>
+                <a:t>b2</a:t>
+              </a:r>
+              <a:endParaRPr lang="en-US" dirty="0"/>
+            </a:p>
+          </p:txBody>
+        </p:sp>
+      </p:grpSp>
+      <p:sp>
+        <p:nvSpPr>
+          <p:cNvPr id="57" name="U-Turn Arrow 56">
+            <a:extLst>
+              <a:ext uri="{FF2B5EF4-FFF2-40B4-BE49-F238E27FC236}">
+                <a16:creationId xmlns:a16="http://schemas.microsoft.com/office/drawing/2014/main" id="{71814F6F-C4AA-4842-B3C2-0AF1E4235EC2}"/>
+              </a:ext>
+            </a:extLst>
+          </p:cNvPr>
+          <p:cNvSpPr/>
+          <p:nvPr/>
+        </p:nvSpPr>
+        <p:spPr>
+          <a:xfrm rot="5400000">
+            <a:off x="9075629" y="3608670"/>
+            <a:ext cx="2722546" cy="1756253"/>
+          </a:xfrm>
+          <a:prstGeom prst="uturnArrow">
+            <a:avLst>
+              <a:gd name="adj1" fmla="val 22633"/>
+              <a:gd name="adj2" fmla="val 25000"/>
+              <a:gd name="adj3" fmla="val 33678"/>
+              <a:gd name="adj4" fmla="val 41322"/>
+              <a:gd name="adj5" fmla="val 100000"/>
+            </a:avLst>
+          </a:prstGeom>
+        </p:spPr>
+        <p:style>
+          <a:lnRef idx="2">
+            <a:schemeClr val="accent1">
+              <a:shade val="50000"/>
+            </a:schemeClr>
+          </a:lnRef>
+          <a:fillRef idx="1">
+            <a:schemeClr val="accent1"/>
+          </a:fillRef>
+          <a:effectRef idx="0">
+            <a:schemeClr val="accent1"/>
+          </a:effectRef>
+          <a:fontRef idx="minor">
+            <a:schemeClr val="lt1"/>
+          </a:fontRef>
+        </p:style>
+        <p:txBody>
+          <a:bodyPr rtlCol="0" anchor="ctr"/>
+          <a:lstStyle/>
+          <a:p>
+            <a:pPr algn="ctr"/>
+            <a:endParaRPr lang="en-US">
+              <a:solidFill>
+                <a:schemeClr val="tx1"/>
+              </a:solidFill>
+            </a:endParaRPr>
+          </a:p>
+        </p:txBody>
+      </p:sp>
+    </p:spTree>
+    <p:extLst>
+      <p:ext uri="{BB962C8B-B14F-4D97-AF65-F5344CB8AC3E}">
+        <p14:creationId xmlns:p14="http://schemas.microsoft.com/office/powerpoint/2010/main" val="275150596"/>
       </p:ext>
     </p:extLst>
   </p:cSld>
